--- a/ITO5032 - User Personas.pptx
+++ b/ITO5032 - User Personas.pptx
@@ -9,9 +9,9 @@
   </p:notesMasterIdLst>
   <p:sldIdLst>
     <p:sldId id="257" r:id="rId2"/>
-    <p:sldId id="258" r:id="rId3"/>
-    <p:sldId id="259" r:id="rId4"/>
-    <p:sldId id="260" r:id="rId5"/>
+    <p:sldId id="261" r:id="rId3"/>
+    <p:sldId id="262" r:id="rId4"/>
+    <p:sldId id="263" r:id="rId5"/>
   </p:sldIdLst>
   <p:sldSz cx="9144000" cy="6858000" type="screen4x3"/>
   <p:notesSz cx="6858000" cy="9144000"/>
@@ -211,7 +211,7 @@
           <a:p>
             <a:fld id="{EEAB6674-EB27-994C-A905-1D122DBD1C2E}" type="datetimeFigureOut">
               <a:rPr lang="en-US" smtClean="0"/>
-              <a:t>3/15/2025</a:t>
+              <a:t>3/16/2025</a:t>
             </a:fld>
             <a:endParaRPr lang="en-US"/>
           </a:p>
@@ -595,7 +595,7 @@
         <p:cNvPr id="1" name="">
           <a:extLst>
             <a:ext uri="{FF2B5EF4-FFF2-40B4-BE49-F238E27FC236}">
-              <a16:creationId xmlns:a16="http://schemas.microsoft.com/office/drawing/2014/main" id="{87D9C25B-2605-052E-E4B2-25DA06B6882F}"/>
+              <a16:creationId xmlns:a16="http://schemas.microsoft.com/office/drawing/2014/main" id="{82855007-B25F-B012-C968-29787A38A2EE}"/>
             </a:ext>
           </a:extLst>
         </p:cNvPr>
@@ -615,7 +615,7 @@
           <p:cNvPr id="2" name="Slide Image Placeholder 1">
             <a:extLst>
               <a:ext uri="{FF2B5EF4-FFF2-40B4-BE49-F238E27FC236}">
-                <a16:creationId xmlns:a16="http://schemas.microsoft.com/office/drawing/2014/main" id="{21FF757E-1679-C994-567E-E114143E1CB8}"/>
+                <a16:creationId xmlns:a16="http://schemas.microsoft.com/office/drawing/2014/main" id="{D4DA1A18-1C69-9149-3D03-C2C67C5DEF2C}"/>
               </a:ext>
             </a:extLst>
           </p:cNvPr>
@@ -633,7 +633,7 @@
           <p:cNvPr id="3" name="Notes Placeholder 2">
             <a:extLst>
               <a:ext uri="{FF2B5EF4-FFF2-40B4-BE49-F238E27FC236}">
-                <a16:creationId xmlns:a16="http://schemas.microsoft.com/office/drawing/2014/main" id="{1ECE11A4-BB10-3DEC-8300-D9E6640CED42}"/>
+                <a16:creationId xmlns:a16="http://schemas.microsoft.com/office/drawing/2014/main" id="{83D3DD2B-4527-0ED7-901E-04736ABBDB90}"/>
               </a:ext>
             </a:extLst>
           </p:cNvPr>
@@ -658,7 +658,7 @@
           <p:cNvPr id="4" name="Slide Number Placeholder 3">
             <a:extLst>
               <a:ext uri="{FF2B5EF4-FFF2-40B4-BE49-F238E27FC236}">
-                <a16:creationId xmlns:a16="http://schemas.microsoft.com/office/drawing/2014/main" id="{3D902D3C-04DF-819D-6722-95C162912E54}"/>
+                <a16:creationId xmlns:a16="http://schemas.microsoft.com/office/drawing/2014/main" id="{29953522-F9BA-BB83-C53C-060583D889FA}"/>
               </a:ext>
             </a:extLst>
           </p:cNvPr>
@@ -685,7 +685,7 @@
     </p:spTree>
     <p:extLst>
       <p:ext uri="{BB962C8B-B14F-4D97-AF65-F5344CB8AC3E}">
-        <p14:creationId xmlns:p14="http://schemas.microsoft.com/office/powerpoint/2010/main" val="1623690561"/>
+        <p14:creationId xmlns:p14="http://schemas.microsoft.com/office/powerpoint/2010/main" val="1121830844"/>
       </p:ext>
     </p:extLst>
   </p:cSld>
@@ -703,7 +703,7 @@
         <p:cNvPr id="1" name="">
           <a:extLst>
             <a:ext uri="{FF2B5EF4-FFF2-40B4-BE49-F238E27FC236}">
-              <a16:creationId xmlns:a16="http://schemas.microsoft.com/office/drawing/2014/main" id="{40EE9987-04B8-AE4A-0104-C68E4AF495C6}"/>
+              <a16:creationId xmlns:a16="http://schemas.microsoft.com/office/drawing/2014/main" id="{D512692D-43A8-2856-4DF6-F40277BA8AAA}"/>
             </a:ext>
           </a:extLst>
         </p:cNvPr>
@@ -723,7 +723,7 @@
           <p:cNvPr id="2" name="Slide Image Placeholder 1">
             <a:extLst>
               <a:ext uri="{FF2B5EF4-FFF2-40B4-BE49-F238E27FC236}">
-                <a16:creationId xmlns:a16="http://schemas.microsoft.com/office/drawing/2014/main" id="{EB9A7B6D-7533-BB61-3835-7717A6674E9A}"/>
+                <a16:creationId xmlns:a16="http://schemas.microsoft.com/office/drawing/2014/main" id="{4ABE0EEC-C7ED-CC1D-4978-E8B2F5D89C8F}"/>
               </a:ext>
             </a:extLst>
           </p:cNvPr>
@@ -741,7 +741,7 @@
           <p:cNvPr id="3" name="Notes Placeholder 2">
             <a:extLst>
               <a:ext uri="{FF2B5EF4-FFF2-40B4-BE49-F238E27FC236}">
-                <a16:creationId xmlns:a16="http://schemas.microsoft.com/office/drawing/2014/main" id="{E908563C-48E2-3C97-A12D-D048FF02910E}"/>
+                <a16:creationId xmlns:a16="http://schemas.microsoft.com/office/drawing/2014/main" id="{FC861BD2-E795-9B0A-5441-4F19F39E6A77}"/>
               </a:ext>
             </a:extLst>
           </p:cNvPr>
@@ -766,7 +766,7 @@
           <p:cNvPr id="4" name="Slide Number Placeholder 3">
             <a:extLst>
               <a:ext uri="{FF2B5EF4-FFF2-40B4-BE49-F238E27FC236}">
-                <a16:creationId xmlns:a16="http://schemas.microsoft.com/office/drawing/2014/main" id="{271408CD-5882-06AE-D76E-20F7509A3222}"/>
+                <a16:creationId xmlns:a16="http://schemas.microsoft.com/office/drawing/2014/main" id="{5D9AD236-2626-0C76-CFBF-1D02E79A8819}"/>
               </a:ext>
             </a:extLst>
           </p:cNvPr>
@@ -793,7 +793,7 @@
     </p:spTree>
     <p:extLst>
       <p:ext uri="{BB962C8B-B14F-4D97-AF65-F5344CB8AC3E}">
-        <p14:creationId xmlns:p14="http://schemas.microsoft.com/office/powerpoint/2010/main" val="2130118440"/>
+        <p14:creationId xmlns:p14="http://schemas.microsoft.com/office/powerpoint/2010/main" val="2024771811"/>
       </p:ext>
     </p:extLst>
   </p:cSld>
@@ -811,7 +811,7 @@
         <p:cNvPr id="1" name="">
           <a:extLst>
             <a:ext uri="{FF2B5EF4-FFF2-40B4-BE49-F238E27FC236}">
-              <a16:creationId xmlns:a16="http://schemas.microsoft.com/office/drawing/2014/main" id="{4DF71000-DEB6-0F7D-D551-93F24BAE1DBE}"/>
+              <a16:creationId xmlns:a16="http://schemas.microsoft.com/office/drawing/2014/main" id="{DA2F0BEE-CF93-BC8A-82DD-8B1DBB97432D}"/>
             </a:ext>
           </a:extLst>
         </p:cNvPr>
@@ -831,7 +831,7 @@
           <p:cNvPr id="2" name="Slide Image Placeholder 1">
             <a:extLst>
               <a:ext uri="{FF2B5EF4-FFF2-40B4-BE49-F238E27FC236}">
-                <a16:creationId xmlns:a16="http://schemas.microsoft.com/office/drawing/2014/main" id="{92203B6C-1661-4D3A-87A4-153DA695A037}"/>
+                <a16:creationId xmlns:a16="http://schemas.microsoft.com/office/drawing/2014/main" id="{DB6139CA-6849-8325-3D06-17956A20203D}"/>
               </a:ext>
             </a:extLst>
           </p:cNvPr>
@@ -849,7 +849,7 @@
           <p:cNvPr id="3" name="Notes Placeholder 2">
             <a:extLst>
               <a:ext uri="{FF2B5EF4-FFF2-40B4-BE49-F238E27FC236}">
-                <a16:creationId xmlns:a16="http://schemas.microsoft.com/office/drawing/2014/main" id="{EDB3589D-3035-D7DE-0C53-4814E56B2EC8}"/>
+                <a16:creationId xmlns:a16="http://schemas.microsoft.com/office/drawing/2014/main" id="{E8C95C93-B001-AD5C-8F7A-A7EE835E38EE}"/>
               </a:ext>
             </a:extLst>
           </p:cNvPr>
@@ -874,7 +874,7 @@
           <p:cNvPr id="4" name="Slide Number Placeholder 3">
             <a:extLst>
               <a:ext uri="{FF2B5EF4-FFF2-40B4-BE49-F238E27FC236}">
-                <a16:creationId xmlns:a16="http://schemas.microsoft.com/office/drawing/2014/main" id="{954AADF9-74FD-8F3B-1E3D-3E8202A10C4E}"/>
+                <a16:creationId xmlns:a16="http://schemas.microsoft.com/office/drawing/2014/main" id="{B55B828A-EFF5-F3DD-39FA-03EAAD272AF7}"/>
               </a:ext>
             </a:extLst>
           </p:cNvPr>
@@ -901,7 +901,7 @@
     </p:spTree>
     <p:extLst>
       <p:ext uri="{BB962C8B-B14F-4D97-AF65-F5344CB8AC3E}">
-        <p14:creationId xmlns:p14="http://schemas.microsoft.com/office/powerpoint/2010/main" val="2210542155"/>
+        <p14:creationId xmlns:p14="http://schemas.microsoft.com/office/powerpoint/2010/main" val="3748699665"/>
       </p:ext>
     </p:extLst>
   </p:cSld>
@@ -1092,7 +1092,7 @@
           <a:p>
             <a:fld id="{51F8EF0B-12BF-FB45-8F30-C3AAC4427A0F}" type="datetimeFigureOut">
               <a:rPr lang="en-US" smtClean="0"/>
-              <a:t>3/15/2025</a:t>
+              <a:t>3/16/2025</a:t>
             </a:fld>
             <a:endParaRPr lang="en-US"/>
           </a:p>
@@ -1262,7 +1262,7 @@
           <a:p>
             <a:fld id="{51F8EF0B-12BF-FB45-8F30-C3AAC4427A0F}" type="datetimeFigureOut">
               <a:rPr lang="en-US" smtClean="0"/>
-              <a:t>3/15/2025</a:t>
+              <a:t>3/16/2025</a:t>
             </a:fld>
             <a:endParaRPr lang="en-US"/>
           </a:p>
@@ -1442,7 +1442,7 @@
           <a:p>
             <a:fld id="{51F8EF0B-12BF-FB45-8F30-C3AAC4427A0F}" type="datetimeFigureOut">
               <a:rPr lang="en-US" smtClean="0"/>
-              <a:t>3/15/2025</a:t>
+              <a:t>3/16/2025</a:t>
             </a:fld>
             <a:endParaRPr lang="en-US"/>
           </a:p>
@@ -1612,7 +1612,7 @@
           <a:p>
             <a:fld id="{51F8EF0B-12BF-FB45-8F30-C3AAC4427A0F}" type="datetimeFigureOut">
               <a:rPr lang="en-US" smtClean="0"/>
-              <a:t>3/15/2025</a:t>
+              <a:t>3/16/2025</a:t>
             </a:fld>
             <a:endParaRPr lang="en-US"/>
           </a:p>
@@ -1858,7 +1858,7 @@
           <a:p>
             <a:fld id="{51F8EF0B-12BF-FB45-8F30-C3AAC4427A0F}" type="datetimeFigureOut">
               <a:rPr lang="en-US" smtClean="0"/>
-              <a:t>3/15/2025</a:t>
+              <a:t>3/16/2025</a:t>
             </a:fld>
             <a:endParaRPr lang="en-US"/>
           </a:p>
@@ -2146,7 +2146,7 @@
           <a:p>
             <a:fld id="{51F8EF0B-12BF-FB45-8F30-C3AAC4427A0F}" type="datetimeFigureOut">
               <a:rPr lang="en-US" smtClean="0"/>
-              <a:t>3/15/2025</a:t>
+              <a:t>3/16/2025</a:t>
             </a:fld>
             <a:endParaRPr lang="en-US"/>
           </a:p>
@@ -2568,7 +2568,7 @@
           <a:p>
             <a:fld id="{51F8EF0B-12BF-FB45-8F30-C3AAC4427A0F}" type="datetimeFigureOut">
               <a:rPr lang="en-US" smtClean="0"/>
-              <a:t>3/15/2025</a:t>
+              <a:t>3/16/2025</a:t>
             </a:fld>
             <a:endParaRPr lang="en-US"/>
           </a:p>
@@ -2686,7 +2686,7 @@
           <a:p>
             <a:fld id="{51F8EF0B-12BF-FB45-8F30-C3AAC4427A0F}" type="datetimeFigureOut">
               <a:rPr lang="en-US" smtClean="0"/>
-              <a:t>3/15/2025</a:t>
+              <a:t>3/16/2025</a:t>
             </a:fld>
             <a:endParaRPr lang="en-US"/>
           </a:p>
@@ -2781,7 +2781,7 @@
           <a:p>
             <a:fld id="{51F8EF0B-12BF-FB45-8F30-C3AAC4427A0F}" type="datetimeFigureOut">
               <a:rPr lang="en-US" smtClean="0"/>
-              <a:t>3/15/2025</a:t>
+              <a:t>3/16/2025</a:t>
             </a:fld>
             <a:endParaRPr lang="en-US"/>
           </a:p>
@@ -3058,7 +3058,7 @@
           <a:p>
             <a:fld id="{51F8EF0B-12BF-FB45-8F30-C3AAC4427A0F}" type="datetimeFigureOut">
               <a:rPr lang="en-US" smtClean="0"/>
-              <a:t>3/15/2025</a:t>
+              <a:t>3/16/2025</a:t>
             </a:fld>
             <a:endParaRPr lang="en-US"/>
           </a:p>
@@ -3311,7 +3311,7 @@
           <a:p>
             <a:fld id="{51F8EF0B-12BF-FB45-8F30-C3AAC4427A0F}" type="datetimeFigureOut">
               <a:rPr lang="en-US" smtClean="0"/>
-              <a:t>3/15/2025</a:t>
+              <a:t>3/16/2025</a:t>
             </a:fld>
             <a:endParaRPr lang="en-US"/>
           </a:p>
@@ -3524,7 +3524,7 @@
           <a:p>
             <a:fld id="{51F8EF0B-12BF-FB45-8F30-C3AAC4427A0F}" type="datetimeFigureOut">
               <a:rPr lang="en-US" smtClean="0"/>
-              <a:t>3/15/2025</a:t>
+              <a:t>3/16/2025</a:t>
             </a:fld>
             <a:endParaRPr lang="en-US"/>
           </a:p>
@@ -3883,7 +3883,7 @@
 </file>
 
 <file path=ppt/slides/slide1.xml><?xml version="1.0" encoding="utf-8"?>
-<p:sld xmlns:a="http://schemas.openxmlformats.org/drawingml/2006/main" xmlns:r="http://schemas.openxmlformats.org/officeDocument/2006/relationships" xmlns:p="http://schemas.openxmlformats.org/presentationml/2006/main">
+<p:sld xmlns:a="http://schemas.openxmlformats.org/drawingml/2006/main" xmlns:r="http://schemas.openxmlformats.org/officeDocument/2006/relationships" xmlns:p="http://schemas.openxmlformats.org/presentationml/2006/main" show="0">
   <p:cSld>
     <p:spTree>
       <p:nvGrpSpPr>
@@ -6384,7 +6384,7 @@
         <p:cNvPr id="1" name="">
           <a:extLst>
             <a:ext uri="{FF2B5EF4-FFF2-40B4-BE49-F238E27FC236}">
-              <a16:creationId xmlns:a16="http://schemas.microsoft.com/office/drawing/2014/main" id="{AC0F1A01-1FB2-554B-EB4C-8BBBC1F441E7}"/>
+              <a16:creationId xmlns:a16="http://schemas.microsoft.com/office/drawing/2014/main" id="{1FCA1762-8219-2212-EE09-678EC42906FF}"/>
             </a:ext>
           </a:extLst>
         </p:cNvPr>
@@ -6404,7 +6404,7 @@
           <p:cNvPr id="2050" name="Picture 2" descr="Arab Woman Standing Stock Photo - Download Image Now - Women, Only Women,  United Arab Emirates - iStock">
             <a:extLst>
               <a:ext uri="{FF2B5EF4-FFF2-40B4-BE49-F238E27FC236}">
-                <a16:creationId xmlns:a16="http://schemas.microsoft.com/office/drawing/2014/main" id="{6A9F5706-9136-006B-0B48-CCAA94BF3A88}"/>
+                <a16:creationId xmlns:a16="http://schemas.microsoft.com/office/drawing/2014/main" id="{D2B71BCC-82A2-F500-AD08-955064A2FDE6}"/>
               </a:ext>
             </a:extLst>
           </p:cNvPr>
@@ -6449,7 +6449,7 @@
           <p:cNvPr id="134" name="Rectangle 133">
             <a:extLst>
               <a:ext uri="{FF2B5EF4-FFF2-40B4-BE49-F238E27FC236}">
-                <a16:creationId xmlns:a16="http://schemas.microsoft.com/office/drawing/2014/main" id="{B934A246-C0A9-BE3B-870F-FE14CA4236D7}"/>
+                <a16:creationId xmlns:a16="http://schemas.microsoft.com/office/drawing/2014/main" id="{671FD2C5-962A-11C1-4A9D-CF546C35AF89}"/>
               </a:ext>
             </a:extLst>
           </p:cNvPr>
@@ -6506,7 +6506,7 @@
           <p:cNvPr id="10" name="Rectangle 9">
             <a:extLst>
               <a:ext uri="{FF2B5EF4-FFF2-40B4-BE49-F238E27FC236}">
-                <a16:creationId xmlns:a16="http://schemas.microsoft.com/office/drawing/2014/main" id="{9DB0601F-3BB0-8573-B220-82A11D14B755}"/>
+                <a16:creationId xmlns:a16="http://schemas.microsoft.com/office/drawing/2014/main" id="{12256831-E645-F902-E385-8F51CFB6AC45}"/>
               </a:ext>
             </a:extLst>
           </p:cNvPr>
@@ -6569,7 +6569,7 @@
           <p:cNvPr id="9" name="TextBox 8">
             <a:extLst>
               <a:ext uri="{FF2B5EF4-FFF2-40B4-BE49-F238E27FC236}">
-                <a16:creationId xmlns:a16="http://schemas.microsoft.com/office/drawing/2014/main" id="{53AB0AF4-205C-45AE-8820-38D365708CD1}"/>
+                <a16:creationId xmlns:a16="http://schemas.microsoft.com/office/drawing/2014/main" id="{334BCEBE-8B47-4729-FA3F-18D8766F3D1F}"/>
               </a:ext>
             </a:extLst>
           </p:cNvPr>
@@ -6609,7 +6609,7 @@
           <p:cNvPr id="11" name="TextBox 10">
             <a:extLst>
               <a:ext uri="{FF2B5EF4-FFF2-40B4-BE49-F238E27FC236}">
-                <a16:creationId xmlns:a16="http://schemas.microsoft.com/office/drawing/2014/main" id="{A24A57D7-8274-822C-1E6B-A3E22FCAF426}"/>
+                <a16:creationId xmlns:a16="http://schemas.microsoft.com/office/drawing/2014/main" id="{02270ED3-3094-3F54-0884-3FF4EECAC873}"/>
               </a:ext>
             </a:extLst>
           </p:cNvPr>
@@ -6649,7 +6649,7 @@
           <p:cNvPr id="12" name="TextBox 11">
             <a:extLst>
               <a:ext uri="{FF2B5EF4-FFF2-40B4-BE49-F238E27FC236}">
-                <a16:creationId xmlns:a16="http://schemas.microsoft.com/office/drawing/2014/main" id="{60B2E1D0-E7A4-1D69-44FF-0861E9B1A3BC}"/>
+                <a16:creationId xmlns:a16="http://schemas.microsoft.com/office/drawing/2014/main" id="{F1A85CDB-DC8D-A896-2DCF-38E0BD6238B3}"/>
               </a:ext>
             </a:extLst>
           </p:cNvPr>
@@ -6689,7 +6689,7 @@
           <p:cNvPr id="14" name="Straight Connector 13">
             <a:extLst>
               <a:ext uri="{FF2B5EF4-FFF2-40B4-BE49-F238E27FC236}">
-                <a16:creationId xmlns:a16="http://schemas.microsoft.com/office/drawing/2014/main" id="{F150DBAA-941B-98C8-204F-B060A9D38C57}"/>
+                <a16:creationId xmlns:a16="http://schemas.microsoft.com/office/drawing/2014/main" id="{734973F4-A77B-D0B4-0298-D78877715EA4}"/>
               </a:ext>
             </a:extLst>
           </p:cNvPr>
@@ -6731,7 +6731,7 @@
           <p:cNvPr id="4" name="TextBox 3">
             <a:extLst>
               <a:ext uri="{FF2B5EF4-FFF2-40B4-BE49-F238E27FC236}">
-                <a16:creationId xmlns:a16="http://schemas.microsoft.com/office/drawing/2014/main" id="{8E2D860C-C3D2-8C4F-696F-9538B110F849}"/>
+                <a16:creationId xmlns:a16="http://schemas.microsoft.com/office/drawing/2014/main" id="{9D1D2DA5-DD2B-0C3C-02FA-D7469BA35CA5}"/>
               </a:ext>
             </a:extLst>
           </p:cNvPr>
@@ -6770,7 +6770,7 @@
           <p:cNvPr id="5" name="TextBox 4">
             <a:extLst>
               <a:ext uri="{FF2B5EF4-FFF2-40B4-BE49-F238E27FC236}">
-                <a16:creationId xmlns:a16="http://schemas.microsoft.com/office/drawing/2014/main" id="{E90DA0F0-F692-6669-6DE9-7A3C63323992}"/>
+                <a16:creationId xmlns:a16="http://schemas.microsoft.com/office/drawing/2014/main" id="{F173336A-EA06-1523-08CB-4436AABCBC4D}"/>
               </a:ext>
             </a:extLst>
           </p:cNvPr>
@@ -6818,7 +6818,7 @@
           <p:cNvPr id="6" name="TextBox 5">
             <a:extLst>
               <a:ext uri="{FF2B5EF4-FFF2-40B4-BE49-F238E27FC236}">
-                <a16:creationId xmlns:a16="http://schemas.microsoft.com/office/drawing/2014/main" id="{900D81CD-B5A2-4D3F-2F66-E411696D208F}"/>
+                <a16:creationId xmlns:a16="http://schemas.microsoft.com/office/drawing/2014/main" id="{C3075768-8B98-E1EA-F93A-92D33BFE83C8}"/>
               </a:ext>
             </a:extLst>
           </p:cNvPr>
@@ -6916,7 +6916,7 @@
           <p:cNvPr id="7" name="Straight Connector 6">
             <a:extLst>
               <a:ext uri="{FF2B5EF4-FFF2-40B4-BE49-F238E27FC236}">
-                <a16:creationId xmlns:a16="http://schemas.microsoft.com/office/drawing/2014/main" id="{BAD79002-E45E-EEE3-46E5-34D84B929C59}"/>
+                <a16:creationId xmlns:a16="http://schemas.microsoft.com/office/drawing/2014/main" id="{F7274593-638B-D7B1-5198-5A6C8265350D}"/>
               </a:ext>
             </a:extLst>
           </p:cNvPr>
@@ -6962,7 +6962,7 @@
           <p:cNvPr id="13" name="Picture 12" descr="bio-icon.png">
             <a:extLst>
               <a:ext uri="{FF2B5EF4-FFF2-40B4-BE49-F238E27FC236}">
-                <a16:creationId xmlns:a16="http://schemas.microsoft.com/office/drawing/2014/main" id="{27F25590-697A-DE49-44F3-D1F0A27B9ABF}"/>
+                <a16:creationId xmlns:a16="http://schemas.microsoft.com/office/drawing/2014/main" id="{310122E7-8B50-1DED-8DA4-1CCB891883DF}"/>
               </a:ext>
             </a:extLst>
           </p:cNvPr>
@@ -6998,7 +6998,7 @@
           <p:cNvPr id="21" name="Picture 20" descr="personality-icon.png">
             <a:extLst>
               <a:ext uri="{FF2B5EF4-FFF2-40B4-BE49-F238E27FC236}">
-                <a16:creationId xmlns:a16="http://schemas.microsoft.com/office/drawing/2014/main" id="{D5E1A0EA-DBBB-E1EA-F658-3FEBB352E4C2}"/>
+                <a16:creationId xmlns:a16="http://schemas.microsoft.com/office/drawing/2014/main" id="{A7EADCD6-E1EA-52FE-18C1-2D50B51A399E}"/>
               </a:ext>
             </a:extLst>
           </p:cNvPr>
@@ -7034,7 +7034,7 @@
           <p:cNvPr id="30" name="TextBox 29">
             <a:extLst>
               <a:ext uri="{FF2B5EF4-FFF2-40B4-BE49-F238E27FC236}">
-                <a16:creationId xmlns:a16="http://schemas.microsoft.com/office/drawing/2014/main" id="{831FF1FB-9052-87E3-FA83-F22E9597C672}"/>
+                <a16:creationId xmlns:a16="http://schemas.microsoft.com/office/drawing/2014/main" id="{3F3F5A37-C81D-F45D-28A3-70B3B46832E1}"/>
               </a:ext>
             </a:extLst>
           </p:cNvPr>
@@ -7073,7 +7073,7 @@
           <p:cNvPr id="33" name="Straight Connector 32">
             <a:extLst>
               <a:ext uri="{FF2B5EF4-FFF2-40B4-BE49-F238E27FC236}">
-                <a16:creationId xmlns:a16="http://schemas.microsoft.com/office/drawing/2014/main" id="{5C531E62-B784-A72D-6472-A9FA8A25F542}"/>
+                <a16:creationId xmlns:a16="http://schemas.microsoft.com/office/drawing/2014/main" id="{161EB78A-CC4B-00FC-53C8-B053F91DA109}"/>
               </a:ext>
             </a:extLst>
           </p:cNvPr>
@@ -7084,7 +7084,7 @@
         </p:nvCxnSpPr>
         <p:spPr>
           <a:xfrm flipH="1">
-            <a:off x="2278528" y="3095950"/>
+            <a:off x="2278528" y="3134050"/>
             <a:ext cx="6865200" cy="0"/>
           </a:xfrm>
           <a:prstGeom prst="line">
@@ -7119,7 +7119,7 @@
           <p:cNvPr id="35" name="Straight Connector 34">
             <a:extLst>
               <a:ext uri="{FF2B5EF4-FFF2-40B4-BE49-F238E27FC236}">
-                <a16:creationId xmlns:a16="http://schemas.microsoft.com/office/drawing/2014/main" id="{219B432C-3CD2-E84B-C884-971BDD38D60F}"/>
+                <a16:creationId xmlns:a16="http://schemas.microsoft.com/office/drawing/2014/main" id="{24D4D8EC-1585-71E7-7774-E91CE74C0090}"/>
               </a:ext>
             </a:extLst>
           </p:cNvPr>
@@ -7161,7 +7161,7 @@
           <p:cNvPr id="36" name="Straight Connector 35">
             <a:extLst>
               <a:ext uri="{FF2B5EF4-FFF2-40B4-BE49-F238E27FC236}">
-                <a16:creationId xmlns:a16="http://schemas.microsoft.com/office/drawing/2014/main" id="{5C0A94FF-EBE5-3E06-C59E-D6D653569BF3}"/>
+                <a16:creationId xmlns:a16="http://schemas.microsoft.com/office/drawing/2014/main" id="{ACBE31A2-6443-E274-3987-9427DC990A56}"/>
               </a:ext>
             </a:extLst>
           </p:cNvPr>
@@ -7203,7 +7203,7 @@
           <p:cNvPr id="38" name="Straight Connector 37">
             <a:extLst>
               <a:ext uri="{FF2B5EF4-FFF2-40B4-BE49-F238E27FC236}">
-                <a16:creationId xmlns:a16="http://schemas.microsoft.com/office/drawing/2014/main" id="{FE01EC7B-854C-A3D8-673B-DA903F7B0E46}"/>
+                <a16:creationId xmlns:a16="http://schemas.microsoft.com/office/drawing/2014/main" id="{5EF4CA26-081B-1AC2-38C4-55CB459CF8A7}"/>
               </a:ext>
             </a:extLst>
           </p:cNvPr>
@@ -7245,7 +7245,7 @@
           <p:cNvPr id="41" name="Straight Connector 40">
             <a:extLst>
               <a:ext uri="{FF2B5EF4-FFF2-40B4-BE49-F238E27FC236}">
-                <a16:creationId xmlns:a16="http://schemas.microsoft.com/office/drawing/2014/main" id="{4FDEA167-0952-80BE-EC08-71B54A424C7F}"/>
+                <a16:creationId xmlns:a16="http://schemas.microsoft.com/office/drawing/2014/main" id="{DA946CD8-906A-D05A-7D45-08946340616B}"/>
               </a:ext>
             </a:extLst>
           </p:cNvPr>
@@ -7287,7 +7287,7 @@
           <p:cNvPr id="65" name="Oval 64">
             <a:extLst>
               <a:ext uri="{FF2B5EF4-FFF2-40B4-BE49-F238E27FC236}">
-                <a16:creationId xmlns:a16="http://schemas.microsoft.com/office/drawing/2014/main" id="{7265F8A3-82DA-58EE-26EF-49FED895E661}"/>
+                <a16:creationId xmlns:a16="http://schemas.microsoft.com/office/drawing/2014/main" id="{EC603A6F-A471-A43B-02F1-3E71AFE05358}"/>
               </a:ext>
             </a:extLst>
           </p:cNvPr>
@@ -7342,7 +7342,7 @@
           <p:cNvPr id="66" name="Oval 65">
             <a:extLst>
               <a:ext uri="{FF2B5EF4-FFF2-40B4-BE49-F238E27FC236}">
-                <a16:creationId xmlns:a16="http://schemas.microsoft.com/office/drawing/2014/main" id="{0A1F4578-F341-5E51-D57A-484A82D75648}"/>
+                <a16:creationId xmlns:a16="http://schemas.microsoft.com/office/drawing/2014/main" id="{1D4A9B09-3372-802C-371C-4736590D510A}"/>
               </a:ext>
             </a:extLst>
           </p:cNvPr>
@@ -7397,7 +7397,7 @@
           <p:cNvPr id="45" name="Straight Connector 44">
             <a:extLst>
               <a:ext uri="{FF2B5EF4-FFF2-40B4-BE49-F238E27FC236}">
-                <a16:creationId xmlns:a16="http://schemas.microsoft.com/office/drawing/2014/main" id="{C692DF80-3C90-0823-98EA-B8B3B94300E4}"/>
+                <a16:creationId xmlns:a16="http://schemas.microsoft.com/office/drawing/2014/main" id="{694BF020-7290-C785-D57E-05792A9F5886}"/>
               </a:ext>
             </a:extLst>
           </p:cNvPr>
@@ -7439,7 +7439,7 @@
           <p:cNvPr id="51" name="Straight Connector 50">
             <a:extLst>
               <a:ext uri="{FF2B5EF4-FFF2-40B4-BE49-F238E27FC236}">
-                <a16:creationId xmlns:a16="http://schemas.microsoft.com/office/drawing/2014/main" id="{59DC9412-353B-00E5-551E-FE7D596FC396}"/>
+                <a16:creationId xmlns:a16="http://schemas.microsoft.com/office/drawing/2014/main" id="{9170805C-AA03-3682-5F5A-5E7280D272E3}"/>
               </a:ext>
             </a:extLst>
           </p:cNvPr>
@@ -7481,7 +7481,7 @@
           <p:cNvPr id="55" name="Straight Connector 54">
             <a:extLst>
               <a:ext uri="{FF2B5EF4-FFF2-40B4-BE49-F238E27FC236}">
-                <a16:creationId xmlns:a16="http://schemas.microsoft.com/office/drawing/2014/main" id="{A3B8ED26-D264-6B6D-934B-BCF169F787D2}"/>
+                <a16:creationId xmlns:a16="http://schemas.microsoft.com/office/drawing/2014/main" id="{B7AB990B-D5B7-8E62-5E56-D6B030CEBB23}"/>
               </a:ext>
             </a:extLst>
           </p:cNvPr>
@@ -7523,7 +7523,7 @@
           <p:cNvPr id="64" name="Straight Connector 63">
             <a:extLst>
               <a:ext uri="{FF2B5EF4-FFF2-40B4-BE49-F238E27FC236}">
-                <a16:creationId xmlns:a16="http://schemas.microsoft.com/office/drawing/2014/main" id="{1FE824B0-7A74-FBE0-8555-C26654B1F35F}"/>
+                <a16:creationId xmlns:a16="http://schemas.microsoft.com/office/drawing/2014/main" id="{69579315-5835-527B-F18C-7096E98CCF1C}"/>
               </a:ext>
             </a:extLst>
           </p:cNvPr>
@@ -7565,7 +7565,7 @@
           <p:cNvPr id="67" name="Oval 66">
             <a:extLst>
               <a:ext uri="{FF2B5EF4-FFF2-40B4-BE49-F238E27FC236}">
-                <a16:creationId xmlns:a16="http://schemas.microsoft.com/office/drawing/2014/main" id="{53B6F5A6-C91A-2F5A-0F4A-CB383907E2A2}"/>
+                <a16:creationId xmlns:a16="http://schemas.microsoft.com/office/drawing/2014/main" id="{C9F7534A-A425-59D7-9D27-13DFE2C19F29}"/>
               </a:ext>
             </a:extLst>
           </p:cNvPr>
@@ -7620,7 +7620,7 @@
           <p:cNvPr id="68" name="Oval 67">
             <a:extLst>
               <a:ext uri="{FF2B5EF4-FFF2-40B4-BE49-F238E27FC236}">
-                <a16:creationId xmlns:a16="http://schemas.microsoft.com/office/drawing/2014/main" id="{CB1EC796-8509-744C-ED80-5177C19C5945}"/>
+                <a16:creationId xmlns:a16="http://schemas.microsoft.com/office/drawing/2014/main" id="{206D08A2-0EAB-73E5-9223-2847B26AF1C1}"/>
               </a:ext>
             </a:extLst>
           </p:cNvPr>
@@ -7675,7 +7675,7 @@
           <p:cNvPr id="69" name="TextBox 68">
             <a:extLst>
               <a:ext uri="{FF2B5EF4-FFF2-40B4-BE49-F238E27FC236}">
-                <a16:creationId xmlns:a16="http://schemas.microsoft.com/office/drawing/2014/main" id="{3619A321-FF28-B881-1C7E-B41C09B44826}"/>
+                <a16:creationId xmlns:a16="http://schemas.microsoft.com/office/drawing/2014/main" id="{39D9CDC4-A0E7-049F-85EB-4ABC504DC9CF}"/>
               </a:ext>
             </a:extLst>
           </p:cNvPr>
@@ -7719,7 +7719,7 @@
           <p:cNvPr id="70" name="TextBox 69">
             <a:extLst>
               <a:ext uri="{FF2B5EF4-FFF2-40B4-BE49-F238E27FC236}">
-                <a16:creationId xmlns:a16="http://schemas.microsoft.com/office/drawing/2014/main" id="{3B519F12-5BAB-9B9E-639F-4DFCEB45F8AE}"/>
+                <a16:creationId xmlns:a16="http://schemas.microsoft.com/office/drawing/2014/main" id="{53AD3190-3275-6D96-4882-6A5442E18520}"/>
               </a:ext>
             </a:extLst>
           </p:cNvPr>
@@ -7763,7 +7763,7 @@
           <p:cNvPr id="72" name="TextBox 71">
             <a:extLst>
               <a:ext uri="{FF2B5EF4-FFF2-40B4-BE49-F238E27FC236}">
-                <a16:creationId xmlns:a16="http://schemas.microsoft.com/office/drawing/2014/main" id="{75DBB7DC-31BB-4E8B-F4D1-E08BF5CA2E56}"/>
+                <a16:creationId xmlns:a16="http://schemas.microsoft.com/office/drawing/2014/main" id="{725E932A-8B59-0259-164B-606096583D30}"/>
               </a:ext>
             </a:extLst>
           </p:cNvPr>
@@ -7807,7 +7807,7 @@
           <p:cNvPr id="73" name="TextBox 72">
             <a:extLst>
               <a:ext uri="{FF2B5EF4-FFF2-40B4-BE49-F238E27FC236}">
-                <a16:creationId xmlns:a16="http://schemas.microsoft.com/office/drawing/2014/main" id="{6AEAAFA6-C6EB-FBF8-B05E-E883162D075D}"/>
+                <a16:creationId xmlns:a16="http://schemas.microsoft.com/office/drawing/2014/main" id="{6DBCEC92-B32F-08EA-96C2-2344527F6ADA}"/>
               </a:ext>
             </a:extLst>
           </p:cNvPr>
@@ -7851,7 +7851,7 @@
           <p:cNvPr id="74" name="Picture 73" descr="motivations-icon.png">
             <a:extLst>
               <a:ext uri="{FF2B5EF4-FFF2-40B4-BE49-F238E27FC236}">
-                <a16:creationId xmlns:a16="http://schemas.microsoft.com/office/drawing/2014/main" id="{7FCBF66B-0163-4D3D-0A76-B9CD61F7E68A}"/>
+                <a16:creationId xmlns:a16="http://schemas.microsoft.com/office/drawing/2014/main" id="{A88FBBD2-8FC8-6F9C-F60C-8D0F0BA00995}"/>
               </a:ext>
             </a:extLst>
           </p:cNvPr>
@@ -7887,7 +7887,7 @@
           <p:cNvPr id="87" name="TextBox 86">
             <a:extLst>
               <a:ext uri="{FF2B5EF4-FFF2-40B4-BE49-F238E27FC236}">
-                <a16:creationId xmlns:a16="http://schemas.microsoft.com/office/drawing/2014/main" id="{E651B457-44F9-755E-1542-42392CDF2FBD}"/>
+                <a16:creationId xmlns:a16="http://schemas.microsoft.com/office/drawing/2014/main" id="{55127C5E-AFAA-67E4-59F4-BA5FD03CDFF1}"/>
               </a:ext>
             </a:extLst>
           </p:cNvPr>
@@ -7896,7 +7896,7 @@
         </p:nvSpPr>
         <p:spPr>
           <a:xfrm>
-            <a:off x="2585386" y="3646312"/>
+            <a:off x="2585386" y="3557412"/>
             <a:ext cx="2948930" cy="627288"/>
           </a:xfrm>
           <a:prstGeom prst="rect">
@@ -7984,7 +7984,7 @@
           <p:cNvPr id="88" name="TextBox 87">
             <a:extLst>
               <a:ext uri="{FF2B5EF4-FFF2-40B4-BE49-F238E27FC236}">
-                <a16:creationId xmlns:a16="http://schemas.microsoft.com/office/drawing/2014/main" id="{DF4168FA-3430-AB7D-0B20-42B446C18862}"/>
+                <a16:creationId xmlns:a16="http://schemas.microsoft.com/office/drawing/2014/main" id="{0BFDA58A-F541-7C0A-C38B-FBCD3F96C08D}"/>
               </a:ext>
             </a:extLst>
           </p:cNvPr>
@@ -7993,7 +7993,7 @@
         </p:nvSpPr>
         <p:spPr>
           <a:xfrm>
-            <a:off x="2974381" y="3380959"/>
+            <a:off x="2974381" y="3292059"/>
             <a:ext cx="1457857" cy="230832"/>
           </a:xfrm>
           <a:prstGeom prst="rect">
@@ -8023,7 +8023,7 @@
           <p:cNvPr id="100" name="Straight Connector 99">
             <a:extLst>
               <a:ext uri="{FF2B5EF4-FFF2-40B4-BE49-F238E27FC236}">
-                <a16:creationId xmlns:a16="http://schemas.microsoft.com/office/drawing/2014/main" id="{DCE900F6-7DEF-A7DE-A097-B8A6F2F237AF}"/>
+                <a16:creationId xmlns:a16="http://schemas.microsoft.com/office/drawing/2014/main" id="{2C2961E9-0130-34DA-94A7-1A22A1FC2E7D}"/>
               </a:ext>
             </a:extLst>
           </p:cNvPr>
@@ -8034,8 +8034,8 @@
         </p:nvCxnSpPr>
         <p:spPr>
           <a:xfrm>
-            <a:off x="5814102" y="3086115"/>
-            <a:ext cx="17257" cy="3769380"/>
+            <a:off x="5814102" y="3134050"/>
+            <a:ext cx="37423" cy="2312251"/>
           </a:xfrm>
           <a:prstGeom prst="line">
             <a:avLst/>
@@ -8069,7 +8069,7 @@
           <p:cNvPr id="102" name="Picture 101" descr="goals-icon.png">
             <a:extLst>
               <a:ext uri="{FF2B5EF4-FFF2-40B4-BE49-F238E27FC236}">
-                <a16:creationId xmlns:a16="http://schemas.microsoft.com/office/drawing/2014/main" id="{C79AD643-54C2-DDDA-7815-1CBFD4A9AC6D}"/>
+                <a16:creationId xmlns:a16="http://schemas.microsoft.com/office/drawing/2014/main" id="{35C59934-9B0F-EAFF-E2A4-AD7DCDF7CBA7}"/>
               </a:ext>
             </a:extLst>
           </p:cNvPr>
@@ -8092,7 +8092,7 @@
         </p:blipFill>
         <p:spPr>
           <a:xfrm>
-            <a:off x="2731539" y="3334951"/>
+            <a:off x="2731539" y="3246051"/>
             <a:ext cx="240427" cy="240427"/>
           </a:xfrm>
           <a:prstGeom prst="rect">
@@ -8105,7 +8105,7 @@
           <p:cNvPr id="109" name="TextBox 108">
             <a:extLst>
               <a:ext uri="{FF2B5EF4-FFF2-40B4-BE49-F238E27FC236}">
-                <a16:creationId xmlns:a16="http://schemas.microsoft.com/office/drawing/2014/main" id="{A4E57290-84C7-2528-0E34-CC3C7FC0144F}"/>
+                <a16:creationId xmlns:a16="http://schemas.microsoft.com/office/drawing/2014/main" id="{487F6470-07F4-B45C-FCD9-9D9A383EE0E0}"/>
               </a:ext>
             </a:extLst>
           </p:cNvPr>
@@ -8114,7 +8114,7 @@
         </p:nvSpPr>
         <p:spPr>
           <a:xfrm>
-            <a:off x="6036320" y="3646312"/>
+            <a:off x="6036320" y="3557412"/>
             <a:ext cx="2948930" cy="627288"/>
           </a:xfrm>
           <a:prstGeom prst="rect">
@@ -8203,7 +8203,7 @@
           <p:cNvPr id="110" name="TextBox 109">
             <a:extLst>
               <a:ext uri="{FF2B5EF4-FFF2-40B4-BE49-F238E27FC236}">
-                <a16:creationId xmlns:a16="http://schemas.microsoft.com/office/drawing/2014/main" id="{057947B3-6A30-02FF-2A6C-BDD587F03625}"/>
+                <a16:creationId xmlns:a16="http://schemas.microsoft.com/office/drawing/2014/main" id="{CF4B5C21-3302-2DAD-F090-EC7223949321}"/>
               </a:ext>
             </a:extLst>
           </p:cNvPr>
@@ -8212,7 +8212,7 @@
         </p:nvSpPr>
         <p:spPr>
           <a:xfrm>
-            <a:off x="6420444" y="3380959"/>
+            <a:off x="6420444" y="3292059"/>
             <a:ext cx="1457857" cy="230832"/>
           </a:xfrm>
           <a:prstGeom prst="rect">
@@ -8242,7 +8242,7 @@
           <p:cNvPr id="113" name="Straight Connector 112">
             <a:extLst>
               <a:ext uri="{FF2B5EF4-FFF2-40B4-BE49-F238E27FC236}">
-                <a16:creationId xmlns:a16="http://schemas.microsoft.com/office/drawing/2014/main" id="{3D607F2F-CEC3-01A1-5A4F-31616FA8A273}"/>
+                <a16:creationId xmlns:a16="http://schemas.microsoft.com/office/drawing/2014/main" id="{F0924177-A553-E405-A152-4CFB66EDF71A}"/>
               </a:ext>
             </a:extLst>
           </p:cNvPr>
@@ -8253,7 +8253,7 @@
         </p:nvCxnSpPr>
         <p:spPr>
           <a:xfrm flipH="1">
-            <a:off x="2278528" y="4987615"/>
+            <a:off x="2278528" y="4317690"/>
             <a:ext cx="6865200" cy="0"/>
           </a:xfrm>
           <a:prstGeom prst="line">
@@ -8288,7 +8288,7 @@
           <p:cNvPr id="114" name="TextBox 113">
             <a:extLst>
               <a:ext uri="{FF2B5EF4-FFF2-40B4-BE49-F238E27FC236}">
-                <a16:creationId xmlns:a16="http://schemas.microsoft.com/office/drawing/2014/main" id="{6FCF5C4C-F3C6-CB4A-C0AA-5E58D2B614DD}"/>
+                <a16:creationId xmlns:a16="http://schemas.microsoft.com/office/drawing/2014/main" id="{3F961CD5-6BCC-A223-5A83-4263890D74B1}"/>
               </a:ext>
             </a:extLst>
           </p:cNvPr>
@@ -8327,7 +8327,7 @@
           <p:cNvPr id="116" name="TextBox 115">
             <a:extLst>
               <a:ext uri="{FF2B5EF4-FFF2-40B4-BE49-F238E27FC236}">
-                <a16:creationId xmlns:a16="http://schemas.microsoft.com/office/drawing/2014/main" id="{F62CDC80-498F-5F3E-8BE9-E84325D49D19}"/>
+                <a16:creationId xmlns:a16="http://schemas.microsoft.com/office/drawing/2014/main" id="{E1398B4C-EA40-7ED4-6AFD-835D142594D5}"/>
               </a:ext>
             </a:extLst>
           </p:cNvPr>
@@ -8336,7 +8336,7 @@
         </p:nvSpPr>
         <p:spPr>
           <a:xfrm>
-            <a:off x="2590256" y="5537976"/>
+            <a:off x="2590256" y="4702951"/>
             <a:ext cx="3014013" cy="627288"/>
           </a:xfrm>
           <a:prstGeom prst="rect">
@@ -8425,7 +8425,7 @@
           <p:cNvPr id="117" name="TextBox 116">
             <a:extLst>
               <a:ext uri="{FF2B5EF4-FFF2-40B4-BE49-F238E27FC236}">
-                <a16:creationId xmlns:a16="http://schemas.microsoft.com/office/drawing/2014/main" id="{4F9CD349-8CF7-31A1-183E-448D39D86EE1}"/>
+                <a16:creationId xmlns:a16="http://schemas.microsoft.com/office/drawing/2014/main" id="{C44779F0-C8D4-056C-1C2E-7C849BE6FF6C}"/>
               </a:ext>
             </a:extLst>
           </p:cNvPr>
@@ -8434,7 +8434,7 @@
         </p:nvSpPr>
         <p:spPr>
           <a:xfrm>
-            <a:off x="2974381" y="5272623"/>
+            <a:off x="2974381" y="4437598"/>
             <a:ext cx="1457857" cy="230832"/>
           </a:xfrm>
           <a:prstGeom prst="rect">
@@ -8464,7 +8464,7 @@
           <p:cNvPr id="120" name="TextBox 119">
             <a:extLst>
               <a:ext uri="{FF2B5EF4-FFF2-40B4-BE49-F238E27FC236}">
-                <a16:creationId xmlns:a16="http://schemas.microsoft.com/office/drawing/2014/main" id="{43A27270-B904-0005-1101-710163F760B7}"/>
+                <a16:creationId xmlns:a16="http://schemas.microsoft.com/office/drawing/2014/main" id="{A7108695-E9E6-EA7C-A145-756D4E1289C5}"/>
               </a:ext>
             </a:extLst>
           </p:cNvPr>
@@ -8473,7 +8473,7 @@
         </p:nvSpPr>
         <p:spPr>
           <a:xfrm>
-            <a:off x="6041191" y="5537976"/>
+            <a:off x="6041191" y="4702951"/>
             <a:ext cx="2948930" cy="627288"/>
           </a:xfrm>
           <a:prstGeom prst="rect">
@@ -8506,7 +8506,7 @@
                   </a:schemeClr>
                 </a:solidFill>
               </a:rPr>
-              <a:t>Difficulty trusting online communities.</a:t>
+              <a:t>Difficulty trusting and navigating online communities.</a:t>
             </a:r>
           </a:p>
           <a:p>
@@ -8552,7 +8552,7 @@
                   </a:schemeClr>
                 </a:solidFill>
               </a:rPr>
-              <a:t>Stress and uncertainty from unclear legal information.</a:t>
+              <a:t>Stress and uncertainty from unclear / lack of legal information.</a:t>
             </a:r>
           </a:p>
         </p:txBody>
@@ -8562,7 +8562,7 @@
           <p:cNvPr id="121" name="TextBox 120">
             <a:extLst>
               <a:ext uri="{FF2B5EF4-FFF2-40B4-BE49-F238E27FC236}">
-                <a16:creationId xmlns:a16="http://schemas.microsoft.com/office/drawing/2014/main" id="{25EC1FE2-1F04-FA65-E834-BD35324BDBA8}"/>
+                <a16:creationId xmlns:a16="http://schemas.microsoft.com/office/drawing/2014/main" id="{DD315906-9A7A-9D7F-C95B-D6FDBA6278DE}"/>
               </a:ext>
             </a:extLst>
           </p:cNvPr>
@@ -8571,7 +8571,7 @@
         </p:nvSpPr>
         <p:spPr>
           <a:xfrm>
-            <a:off x="6425315" y="5272623"/>
+            <a:off x="6425315" y="4437598"/>
             <a:ext cx="1457857" cy="230832"/>
           </a:xfrm>
           <a:prstGeom prst="rect">
@@ -8601,7 +8601,7 @@
           <p:cNvPr id="144" name="Graphic 143" descr="Hurdle outline">
             <a:extLst>
               <a:ext uri="{FF2B5EF4-FFF2-40B4-BE49-F238E27FC236}">
-                <a16:creationId xmlns:a16="http://schemas.microsoft.com/office/drawing/2014/main" id="{7F2CBEDD-79DE-35FF-C599-213BF52BF2BF}"/>
+                <a16:creationId xmlns:a16="http://schemas.microsoft.com/office/drawing/2014/main" id="{6D4DC58A-C07C-5C7A-63DA-81CA650EDD88}"/>
               </a:ext>
             </a:extLst>
           </p:cNvPr>
@@ -8624,7 +8624,7 @@
         </p:blipFill>
         <p:spPr>
           <a:xfrm>
-            <a:off x="6154753" y="3336188"/>
+            <a:off x="6154753" y="3247288"/>
             <a:ext cx="292864" cy="292864"/>
           </a:xfrm>
           <a:prstGeom prst="rect">
@@ -8637,7 +8637,7 @@
           <p:cNvPr id="146" name="Graphic 145" descr="Raised hand outline">
             <a:extLst>
               <a:ext uri="{FF2B5EF4-FFF2-40B4-BE49-F238E27FC236}">
-                <a16:creationId xmlns:a16="http://schemas.microsoft.com/office/drawing/2014/main" id="{430C88DD-9C80-1B3D-982D-7ED5992B758E}"/>
+                <a16:creationId xmlns:a16="http://schemas.microsoft.com/office/drawing/2014/main" id="{F2DDDBF7-E39D-3FB8-90C3-A27725017891}"/>
               </a:ext>
             </a:extLst>
           </p:cNvPr>
@@ -8660,7 +8660,7 @@
         </p:blipFill>
         <p:spPr>
           <a:xfrm>
-            <a:off x="2720730" y="5245112"/>
+            <a:off x="2720730" y="4410087"/>
             <a:ext cx="292864" cy="292864"/>
           </a:xfrm>
           <a:prstGeom prst="rect">
@@ -8673,7 +8673,7 @@
           <p:cNvPr id="148" name="Graphic 147" descr="Comment Heart Break outline">
             <a:extLst>
               <a:ext uri="{FF2B5EF4-FFF2-40B4-BE49-F238E27FC236}">
-                <a16:creationId xmlns:a16="http://schemas.microsoft.com/office/drawing/2014/main" id="{1CE17CF7-E832-6E0F-A821-6762A0AA7C45}"/>
+                <a16:creationId xmlns:a16="http://schemas.microsoft.com/office/drawing/2014/main" id="{823C421B-B5BB-C178-8182-3A72DDAB52F3}"/>
               </a:ext>
             </a:extLst>
           </p:cNvPr>
@@ -8696,7 +8696,7 @@
         </p:blipFill>
         <p:spPr>
           <a:xfrm>
-            <a:off x="6154753" y="5246851"/>
+            <a:off x="6154753" y="4411826"/>
             <a:ext cx="292864" cy="292864"/>
           </a:xfrm>
           <a:prstGeom prst="rect">
@@ -8709,7 +8709,7 @@
           <p:cNvPr id="17" name="TextBox 16">
             <a:extLst>
               <a:ext uri="{FF2B5EF4-FFF2-40B4-BE49-F238E27FC236}">
-                <a16:creationId xmlns:a16="http://schemas.microsoft.com/office/drawing/2014/main" id="{37F862C7-CA95-748A-447B-76CA9EEC7C96}"/>
+                <a16:creationId xmlns:a16="http://schemas.microsoft.com/office/drawing/2014/main" id="{BD98758F-B6B0-C6E7-01F8-49EA9A326831}"/>
               </a:ext>
             </a:extLst>
           </p:cNvPr>
@@ -8792,7 +8792,7 @@
           <p:cNvPr id="18" name="TextBox 17">
             <a:extLst>
               <a:ext uri="{FF2B5EF4-FFF2-40B4-BE49-F238E27FC236}">
-                <a16:creationId xmlns:a16="http://schemas.microsoft.com/office/drawing/2014/main" id="{854E712B-5B43-1C27-770A-B11B168B1ABE}"/>
+                <a16:creationId xmlns:a16="http://schemas.microsoft.com/office/drawing/2014/main" id="{05ED8775-803F-0D5C-94B3-C93F1105DFBB}"/>
               </a:ext>
             </a:extLst>
           </p:cNvPr>
@@ -8846,10 +8846,229 @@
           </a:p>
         </p:txBody>
       </p:sp>
+      <p:cxnSp>
+        <p:nvCxnSpPr>
+          <p:cNvPr id="2" name="Straight Connector 1">
+            <a:extLst>
+              <a:ext uri="{FF2B5EF4-FFF2-40B4-BE49-F238E27FC236}">
+                <a16:creationId xmlns:a16="http://schemas.microsoft.com/office/drawing/2014/main" id="{67522BE5-CD0A-66B1-CB62-008428F42943}"/>
+              </a:ext>
+            </a:extLst>
+          </p:cNvPr>
+          <p:cNvCxnSpPr>
+            <a:cxnSpLocks/>
+          </p:cNvCxnSpPr>
+          <p:nvPr/>
+        </p:nvCxnSpPr>
+        <p:spPr>
+          <a:xfrm flipH="1">
+            <a:off x="2303249" y="5445078"/>
+            <a:ext cx="6865200" cy="0"/>
+          </a:xfrm>
+          <a:prstGeom prst="line">
+            <a:avLst/>
+          </a:prstGeom>
+          <a:ln w="15875">
+            <a:solidFill>
+              <a:srgbClr val="26A3A1">
+                <a:alpha val="10000"/>
+              </a:srgbClr>
+            </a:solidFill>
+          </a:ln>
+          <a:effectLst/>
+        </p:spPr>
+        <p:style>
+          <a:lnRef idx="2">
+            <a:schemeClr val="accent1"/>
+          </a:lnRef>
+          <a:fillRef idx="0">
+            <a:schemeClr val="accent1"/>
+          </a:fillRef>
+          <a:effectRef idx="1">
+            <a:schemeClr val="accent1"/>
+          </a:effectRef>
+          <a:fontRef idx="minor">
+            <a:schemeClr val="tx1"/>
+          </a:fontRef>
+        </p:style>
+      </p:cxnSp>
+      <p:pic>
+        <p:nvPicPr>
+          <p:cNvPr id="25" name="Graphic 24" descr="Internet outline">
+            <a:extLst>
+              <a:ext uri="{FF2B5EF4-FFF2-40B4-BE49-F238E27FC236}">
+                <a16:creationId xmlns:a16="http://schemas.microsoft.com/office/drawing/2014/main" id="{407D4F00-979E-2E48-E065-FB591C21EA32}"/>
+              </a:ext>
+            </a:extLst>
+          </p:cNvPr>
+          <p:cNvPicPr>
+            <a:picLocks noChangeAspect="1"/>
+          </p:cNvPicPr>
+          <p:nvPr/>
+        </p:nvPicPr>
+        <p:blipFill>
+          <a:blip r:embed="rId14">
+            <a:extLst>
+              <a:ext uri="{96DAC541-7B7A-43D3-8B79-37D633B846F1}">
+                <asvg:svgBlip xmlns:asvg="http://schemas.microsoft.com/office/drawing/2016/SVG/main" r:embed="rId15"/>
+              </a:ext>
+            </a:extLst>
+          </a:blip>
+          <a:stretch>
+            <a:fillRect/>
+          </a:stretch>
+        </p:blipFill>
+        <p:spPr>
+          <a:xfrm>
+            <a:off x="2683265" y="5567195"/>
+            <a:ext cx="343250" cy="343250"/>
+          </a:xfrm>
+          <a:prstGeom prst="rect">
+            <a:avLst/>
+          </a:prstGeom>
+        </p:spPr>
+      </p:pic>
+      <p:sp>
+        <p:nvSpPr>
+          <p:cNvPr id="26" name="TextBox 25">
+            <a:extLst>
+              <a:ext uri="{FF2B5EF4-FFF2-40B4-BE49-F238E27FC236}">
+                <a16:creationId xmlns:a16="http://schemas.microsoft.com/office/drawing/2014/main" id="{D2CE2EB9-4DB0-1D63-7666-C9C12118D083}"/>
+              </a:ext>
+            </a:extLst>
+          </p:cNvPr>
+          <p:cNvSpPr txBox="1"/>
+          <p:nvPr/>
+        </p:nvSpPr>
+        <p:spPr>
+          <a:xfrm>
+            <a:off x="2974381" y="5628791"/>
+            <a:ext cx="2585875" cy="230832"/>
+          </a:xfrm>
+          <a:prstGeom prst="rect">
+            <a:avLst/>
+          </a:prstGeom>
+          <a:noFill/>
+        </p:spPr>
+        <p:txBody>
+          <a:bodyPr wrap="square" rtlCol="0">
+            <a:spAutoFit/>
+          </a:bodyPr>
+          <a:lstStyle/>
+          <a:p>
+            <a:r>
+              <a:rPr lang="en-US" sz="900" dirty="0">
+                <a:solidFill>
+                  <a:srgbClr val="1A8CB2"/>
+                </a:solidFill>
+              </a:rPr>
+              <a:t>How the Web Application Addresses Needs:</a:t>
+            </a:r>
+          </a:p>
+        </p:txBody>
+      </p:sp>
+      <p:sp>
+        <p:nvSpPr>
+          <p:cNvPr id="28" name="TextBox 27">
+            <a:extLst>
+              <a:ext uri="{FF2B5EF4-FFF2-40B4-BE49-F238E27FC236}">
+                <a16:creationId xmlns:a16="http://schemas.microsoft.com/office/drawing/2014/main" id="{6E72EF95-6257-4DCC-53F7-76BED35E6F0E}"/>
+              </a:ext>
+            </a:extLst>
+          </p:cNvPr>
+          <p:cNvSpPr txBox="1"/>
+          <p:nvPr/>
+        </p:nvSpPr>
+        <p:spPr>
+          <a:xfrm>
+            <a:off x="2590256" y="5956580"/>
+            <a:ext cx="6394994" cy="627288"/>
+          </a:xfrm>
+          <a:prstGeom prst="rect">
+            <a:avLst/>
+          </a:prstGeom>
+          <a:noFill/>
+        </p:spPr>
+        <p:txBody>
+          <a:bodyPr wrap="square" rtlCol="0">
+            <a:spAutoFit/>
+          </a:bodyPr>
+          <a:lstStyle/>
+          <a:p>
+            <a:pPr marL="171450" lvl="0" indent="-171450">
+              <a:lnSpc>
+                <a:spcPct val="150000"/>
+              </a:lnSpc>
+              <a:buClr>
+                <a:srgbClr val="2BC0BE"/>
+              </a:buClr>
+              <a:buFont typeface="Arial"/>
+              <a:buChar char="•"/>
+            </a:pPr>
+            <a:r>
+              <a:rPr lang="en-US" sz="800" dirty="0">
+                <a:solidFill>
+                  <a:schemeClr val="tx1">
+                    <a:lumMod val="50000"/>
+                    <a:lumOff val="50000"/>
+                  </a:schemeClr>
+                </a:solidFill>
+              </a:rPr>
+              <a:t>Provides an online counseling platform and mental health and self-help resources.</a:t>
+            </a:r>
+          </a:p>
+          <a:p>
+            <a:pPr marL="171450" lvl="0" indent="-171450">
+              <a:lnSpc>
+                <a:spcPct val="150000"/>
+              </a:lnSpc>
+              <a:buClr>
+                <a:srgbClr val="2BC0BE"/>
+              </a:buClr>
+              <a:buFont typeface="Arial"/>
+              <a:buChar char="•"/>
+            </a:pPr>
+            <a:r>
+              <a:rPr lang="en-US" sz="800" dirty="0">
+                <a:solidFill>
+                  <a:schemeClr val="tx1">
+                    <a:lumMod val="50000"/>
+                    <a:lumOff val="50000"/>
+                  </a:schemeClr>
+                </a:solidFill>
+              </a:rPr>
+              <a:t>Provides a community-based forum for networking, sharing, and advice.</a:t>
+            </a:r>
+          </a:p>
+          <a:p>
+            <a:pPr marL="171450" lvl="0" indent="-171450">
+              <a:lnSpc>
+                <a:spcPct val="150000"/>
+              </a:lnSpc>
+              <a:buClr>
+                <a:srgbClr val="2BC0BE"/>
+              </a:buClr>
+              <a:buFont typeface="Arial"/>
+              <a:buChar char="•"/>
+            </a:pPr>
+            <a:r>
+              <a:rPr lang="en-US" sz="800" dirty="0">
+                <a:solidFill>
+                  <a:schemeClr val="tx1">
+                    <a:lumMod val="50000"/>
+                    <a:lumOff val="50000"/>
+                  </a:schemeClr>
+                </a:solidFill>
+              </a:rPr>
+              <a:t>Provides detailed step-by-step asylum guidance resources as well as legal aid resources.</a:t>
+            </a:r>
+          </a:p>
+        </p:txBody>
+      </p:sp>
     </p:spTree>
     <p:extLst>
       <p:ext uri="{BB962C8B-B14F-4D97-AF65-F5344CB8AC3E}">
-        <p14:creationId xmlns:p14="http://schemas.microsoft.com/office/powerpoint/2010/main" val="1405235232"/>
+        <p14:creationId xmlns:p14="http://schemas.microsoft.com/office/powerpoint/2010/main" val="28206444"/>
       </p:ext>
     </p:extLst>
   </p:cSld>
@@ -8867,7 +9086,7 @@
         <p:cNvPr id="1" name="">
           <a:extLst>
             <a:ext uri="{FF2B5EF4-FFF2-40B4-BE49-F238E27FC236}">
-              <a16:creationId xmlns:a16="http://schemas.microsoft.com/office/drawing/2014/main" id="{CA2CDFAD-C8D3-6D5D-739D-E2AEEBB471A2}"/>
+              <a16:creationId xmlns:a16="http://schemas.microsoft.com/office/drawing/2014/main" id="{257BFADF-1D4F-B168-5B85-624C9545F0D8}"/>
             </a:ext>
           </a:extLst>
         </p:cNvPr>
@@ -8887,7 +9106,7 @@
           <p:cNvPr id="3074" name="Picture 2" descr="87,226 Muslim Man Stock Photos - Free &amp; Royalty-Free Stock Photos from  Dreamstime">
             <a:extLst>
               <a:ext uri="{FF2B5EF4-FFF2-40B4-BE49-F238E27FC236}">
-                <a16:creationId xmlns:a16="http://schemas.microsoft.com/office/drawing/2014/main" id="{496E33C4-4226-B6D4-F590-44C83D8DE12C}"/>
+                <a16:creationId xmlns:a16="http://schemas.microsoft.com/office/drawing/2014/main" id="{B893895B-BD56-1CBB-4437-C4966582D781}"/>
               </a:ext>
             </a:extLst>
           </p:cNvPr>
@@ -8932,7 +9151,7 @@
           <p:cNvPr id="134" name="Rectangle 133">
             <a:extLst>
               <a:ext uri="{FF2B5EF4-FFF2-40B4-BE49-F238E27FC236}">
-                <a16:creationId xmlns:a16="http://schemas.microsoft.com/office/drawing/2014/main" id="{8A22CD8A-4055-7032-102C-EEC410F97085}"/>
+                <a16:creationId xmlns:a16="http://schemas.microsoft.com/office/drawing/2014/main" id="{323C1A0B-E66D-5511-CF7C-3E01ECB2CCE7}"/>
               </a:ext>
             </a:extLst>
           </p:cNvPr>
@@ -8989,7 +9208,7 @@
           <p:cNvPr id="10" name="Rectangle 9">
             <a:extLst>
               <a:ext uri="{FF2B5EF4-FFF2-40B4-BE49-F238E27FC236}">
-                <a16:creationId xmlns:a16="http://schemas.microsoft.com/office/drawing/2014/main" id="{D7453F18-A4BE-55FC-A022-488E02805602}"/>
+                <a16:creationId xmlns:a16="http://schemas.microsoft.com/office/drawing/2014/main" id="{6BDAFA2A-A374-BC7B-B5A1-0039843B5A2A}"/>
               </a:ext>
             </a:extLst>
           </p:cNvPr>
@@ -9052,7 +9271,7 @@
           <p:cNvPr id="9" name="TextBox 8">
             <a:extLst>
               <a:ext uri="{FF2B5EF4-FFF2-40B4-BE49-F238E27FC236}">
-                <a16:creationId xmlns:a16="http://schemas.microsoft.com/office/drawing/2014/main" id="{FA2146D3-034B-6490-7E3F-8BADA10F8ACE}"/>
+                <a16:creationId xmlns:a16="http://schemas.microsoft.com/office/drawing/2014/main" id="{DB2D5D2C-9944-A6ED-C86E-27658A4368C1}"/>
               </a:ext>
             </a:extLst>
           </p:cNvPr>
@@ -9092,7 +9311,7 @@
           <p:cNvPr id="11" name="TextBox 10">
             <a:extLst>
               <a:ext uri="{FF2B5EF4-FFF2-40B4-BE49-F238E27FC236}">
-                <a16:creationId xmlns:a16="http://schemas.microsoft.com/office/drawing/2014/main" id="{1ACA4FB4-63AA-A87C-9E70-6960B8EAD652}"/>
+                <a16:creationId xmlns:a16="http://schemas.microsoft.com/office/drawing/2014/main" id="{E30B6244-DA32-520E-6342-5A24CD0107EB}"/>
               </a:ext>
             </a:extLst>
           </p:cNvPr>
@@ -9132,7 +9351,7 @@
           <p:cNvPr id="12" name="TextBox 11">
             <a:extLst>
               <a:ext uri="{FF2B5EF4-FFF2-40B4-BE49-F238E27FC236}">
-                <a16:creationId xmlns:a16="http://schemas.microsoft.com/office/drawing/2014/main" id="{E244231E-E9F6-0B1C-D556-4E3002AA0CEE}"/>
+                <a16:creationId xmlns:a16="http://schemas.microsoft.com/office/drawing/2014/main" id="{F2B32251-5116-8816-DB52-83B75F0A3645}"/>
               </a:ext>
             </a:extLst>
           </p:cNvPr>
@@ -9172,7 +9391,7 @@
           <p:cNvPr id="14" name="Straight Connector 13">
             <a:extLst>
               <a:ext uri="{FF2B5EF4-FFF2-40B4-BE49-F238E27FC236}">
-                <a16:creationId xmlns:a16="http://schemas.microsoft.com/office/drawing/2014/main" id="{5C24EB7C-0658-B00F-18A6-3BDBC6E30B19}"/>
+                <a16:creationId xmlns:a16="http://schemas.microsoft.com/office/drawing/2014/main" id="{7EC751B1-C9E4-4699-95B8-388D1B2B38C3}"/>
               </a:ext>
             </a:extLst>
           </p:cNvPr>
@@ -9214,7 +9433,7 @@
           <p:cNvPr id="4" name="TextBox 3">
             <a:extLst>
               <a:ext uri="{FF2B5EF4-FFF2-40B4-BE49-F238E27FC236}">
-                <a16:creationId xmlns:a16="http://schemas.microsoft.com/office/drawing/2014/main" id="{0A56213B-449C-2C19-015E-F2D369C8C9B2}"/>
+                <a16:creationId xmlns:a16="http://schemas.microsoft.com/office/drawing/2014/main" id="{2E24949A-F401-9B8C-22A5-6397DBFC3C95}"/>
               </a:ext>
             </a:extLst>
           </p:cNvPr>
@@ -9253,7 +9472,7 @@
           <p:cNvPr id="5" name="TextBox 4">
             <a:extLst>
               <a:ext uri="{FF2B5EF4-FFF2-40B4-BE49-F238E27FC236}">
-                <a16:creationId xmlns:a16="http://schemas.microsoft.com/office/drawing/2014/main" id="{4A9DB5D9-FAD4-27B8-8A76-EDAE3242C0F2}"/>
+                <a16:creationId xmlns:a16="http://schemas.microsoft.com/office/drawing/2014/main" id="{05060D46-BF64-E546-2544-4093A356BADC}"/>
               </a:ext>
             </a:extLst>
           </p:cNvPr>
@@ -9301,7 +9520,7 @@
           <p:cNvPr id="6" name="TextBox 5">
             <a:extLst>
               <a:ext uri="{FF2B5EF4-FFF2-40B4-BE49-F238E27FC236}">
-                <a16:creationId xmlns:a16="http://schemas.microsoft.com/office/drawing/2014/main" id="{E34E4139-874C-D610-3B04-28BFDC6CD268}"/>
+                <a16:creationId xmlns:a16="http://schemas.microsoft.com/office/drawing/2014/main" id="{BFB16DD2-F619-9A8F-0593-D119931EA302}"/>
               </a:ext>
             </a:extLst>
           </p:cNvPr>
@@ -9399,7 +9618,7 @@
           <p:cNvPr id="7" name="Straight Connector 6">
             <a:extLst>
               <a:ext uri="{FF2B5EF4-FFF2-40B4-BE49-F238E27FC236}">
-                <a16:creationId xmlns:a16="http://schemas.microsoft.com/office/drawing/2014/main" id="{2C7B5DA6-2506-F397-E6D1-9AE8C99A38C6}"/>
+                <a16:creationId xmlns:a16="http://schemas.microsoft.com/office/drawing/2014/main" id="{B0218F13-3CC2-3FDD-27FA-17EF10C09F07}"/>
               </a:ext>
             </a:extLst>
           </p:cNvPr>
@@ -9445,7 +9664,7 @@
           <p:cNvPr id="13" name="Picture 12" descr="bio-icon.png">
             <a:extLst>
               <a:ext uri="{FF2B5EF4-FFF2-40B4-BE49-F238E27FC236}">
-                <a16:creationId xmlns:a16="http://schemas.microsoft.com/office/drawing/2014/main" id="{8BBC84A8-67CA-EBD3-ABCB-60147676CEAC}"/>
+                <a16:creationId xmlns:a16="http://schemas.microsoft.com/office/drawing/2014/main" id="{F4D1902E-2926-3FD0-A335-9BAC14AE815E}"/>
               </a:ext>
             </a:extLst>
           </p:cNvPr>
@@ -9481,7 +9700,7 @@
           <p:cNvPr id="21" name="Picture 20" descr="personality-icon.png">
             <a:extLst>
               <a:ext uri="{FF2B5EF4-FFF2-40B4-BE49-F238E27FC236}">
-                <a16:creationId xmlns:a16="http://schemas.microsoft.com/office/drawing/2014/main" id="{9463BA46-7812-8411-77AB-41D859650FC2}"/>
+                <a16:creationId xmlns:a16="http://schemas.microsoft.com/office/drawing/2014/main" id="{5CF3AA49-53CC-E2E0-3A7F-1BB4FB90EDFD}"/>
               </a:ext>
             </a:extLst>
           </p:cNvPr>
@@ -9517,7 +9736,7 @@
           <p:cNvPr id="30" name="TextBox 29">
             <a:extLst>
               <a:ext uri="{FF2B5EF4-FFF2-40B4-BE49-F238E27FC236}">
-                <a16:creationId xmlns:a16="http://schemas.microsoft.com/office/drawing/2014/main" id="{4E68CB54-BB96-8AAD-E0E9-4F8A82904A1D}"/>
+                <a16:creationId xmlns:a16="http://schemas.microsoft.com/office/drawing/2014/main" id="{E81DA4D5-7652-6776-B8C1-0E7566157DBE}"/>
               </a:ext>
             </a:extLst>
           </p:cNvPr>
@@ -9553,56 +9772,10 @@
       </p:sp>
       <p:cxnSp>
         <p:nvCxnSpPr>
-          <p:cNvPr id="33" name="Straight Connector 32">
-            <a:extLst>
-              <a:ext uri="{FF2B5EF4-FFF2-40B4-BE49-F238E27FC236}">
-                <a16:creationId xmlns:a16="http://schemas.microsoft.com/office/drawing/2014/main" id="{78BA0511-0417-D16D-0041-223B4BBA409C}"/>
-              </a:ext>
-            </a:extLst>
-          </p:cNvPr>
-          <p:cNvCxnSpPr>
-            <a:cxnSpLocks/>
-          </p:cNvCxnSpPr>
-          <p:nvPr/>
-        </p:nvCxnSpPr>
-        <p:spPr>
-          <a:xfrm flipH="1">
-            <a:off x="2278528" y="3095950"/>
-            <a:ext cx="6865200" cy="0"/>
-          </a:xfrm>
-          <a:prstGeom prst="line">
-            <a:avLst/>
-          </a:prstGeom>
-          <a:ln w="15875">
-            <a:solidFill>
-              <a:srgbClr val="26A3A1">
-                <a:alpha val="10000"/>
-              </a:srgbClr>
-            </a:solidFill>
-          </a:ln>
-          <a:effectLst/>
-        </p:spPr>
-        <p:style>
-          <a:lnRef idx="2">
-            <a:schemeClr val="accent1"/>
-          </a:lnRef>
-          <a:fillRef idx="0">
-            <a:schemeClr val="accent1"/>
-          </a:fillRef>
-          <a:effectRef idx="1">
-            <a:schemeClr val="accent1"/>
-          </a:effectRef>
-          <a:fontRef idx="minor">
-            <a:schemeClr val="tx1"/>
-          </a:fontRef>
-        </p:style>
-      </p:cxnSp>
-      <p:cxnSp>
-        <p:nvCxnSpPr>
           <p:cNvPr id="35" name="Straight Connector 34">
             <a:extLst>
               <a:ext uri="{FF2B5EF4-FFF2-40B4-BE49-F238E27FC236}">
-                <a16:creationId xmlns:a16="http://schemas.microsoft.com/office/drawing/2014/main" id="{8F524D27-92F8-CFD0-1369-41387C3E6650}"/>
+                <a16:creationId xmlns:a16="http://schemas.microsoft.com/office/drawing/2014/main" id="{4D110F74-05C0-FF04-EE97-AD44D9548AC7}"/>
               </a:ext>
             </a:extLst>
           </p:cNvPr>
@@ -9644,7 +9817,7 @@
           <p:cNvPr id="36" name="Straight Connector 35">
             <a:extLst>
               <a:ext uri="{FF2B5EF4-FFF2-40B4-BE49-F238E27FC236}">
-                <a16:creationId xmlns:a16="http://schemas.microsoft.com/office/drawing/2014/main" id="{59A8F9C9-009F-9E00-F6B9-8D5FDA175B01}"/>
+                <a16:creationId xmlns:a16="http://schemas.microsoft.com/office/drawing/2014/main" id="{8D2A3B70-7F7C-B9B0-8EAD-1945E0CBD3E8}"/>
               </a:ext>
             </a:extLst>
           </p:cNvPr>
@@ -9686,7 +9859,7 @@
           <p:cNvPr id="38" name="Straight Connector 37">
             <a:extLst>
               <a:ext uri="{FF2B5EF4-FFF2-40B4-BE49-F238E27FC236}">
-                <a16:creationId xmlns:a16="http://schemas.microsoft.com/office/drawing/2014/main" id="{893A5FA3-EEFE-C790-F129-95C7192CE055}"/>
+                <a16:creationId xmlns:a16="http://schemas.microsoft.com/office/drawing/2014/main" id="{0B732A50-9640-3489-8E9A-9E0662F4B6B9}"/>
               </a:ext>
             </a:extLst>
           </p:cNvPr>
@@ -9728,7 +9901,7 @@
           <p:cNvPr id="41" name="Straight Connector 40">
             <a:extLst>
               <a:ext uri="{FF2B5EF4-FFF2-40B4-BE49-F238E27FC236}">
-                <a16:creationId xmlns:a16="http://schemas.microsoft.com/office/drawing/2014/main" id="{A2C08782-2F1D-5D12-DCCE-A74C405C1C62}"/>
+                <a16:creationId xmlns:a16="http://schemas.microsoft.com/office/drawing/2014/main" id="{7732F35C-F774-6FF0-2F44-B6B54EB2BA85}"/>
               </a:ext>
             </a:extLst>
           </p:cNvPr>
@@ -9770,7 +9943,7 @@
           <p:cNvPr id="65" name="Oval 64">
             <a:extLst>
               <a:ext uri="{FF2B5EF4-FFF2-40B4-BE49-F238E27FC236}">
-                <a16:creationId xmlns:a16="http://schemas.microsoft.com/office/drawing/2014/main" id="{4367EE50-6929-6CAF-F7B5-FD76D5305F88}"/>
+                <a16:creationId xmlns:a16="http://schemas.microsoft.com/office/drawing/2014/main" id="{6E976F1E-92AE-EC27-1A35-03A676EE8606}"/>
               </a:ext>
             </a:extLst>
           </p:cNvPr>
@@ -9825,7 +9998,7 @@
           <p:cNvPr id="66" name="Oval 65">
             <a:extLst>
               <a:ext uri="{FF2B5EF4-FFF2-40B4-BE49-F238E27FC236}">
-                <a16:creationId xmlns:a16="http://schemas.microsoft.com/office/drawing/2014/main" id="{E5784B30-EB22-2588-C239-7A13321D7F86}"/>
+                <a16:creationId xmlns:a16="http://schemas.microsoft.com/office/drawing/2014/main" id="{A42E513D-6D66-3383-E52D-1ECB3F6D3355}"/>
               </a:ext>
             </a:extLst>
           </p:cNvPr>
@@ -9880,7 +10053,7 @@
           <p:cNvPr id="45" name="Straight Connector 44">
             <a:extLst>
               <a:ext uri="{FF2B5EF4-FFF2-40B4-BE49-F238E27FC236}">
-                <a16:creationId xmlns:a16="http://schemas.microsoft.com/office/drawing/2014/main" id="{51277CAF-32B8-CE3A-DE0D-FEE5C9FAEEC9}"/>
+                <a16:creationId xmlns:a16="http://schemas.microsoft.com/office/drawing/2014/main" id="{CA5CCCD1-04D0-2AEB-14B0-73E80D24DCD5}"/>
               </a:ext>
             </a:extLst>
           </p:cNvPr>
@@ -9922,7 +10095,7 @@
           <p:cNvPr id="51" name="Straight Connector 50">
             <a:extLst>
               <a:ext uri="{FF2B5EF4-FFF2-40B4-BE49-F238E27FC236}">
-                <a16:creationId xmlns:a16="http://schemas.microsoft.com/office/drawing/2014/main" id="{001A64CB-6578-CE32-35B9-305809BF2AEC}"/>
+                <a16:creationId xmlns:a16="http://schemas.microsoft.com/office/drawing/2014/main" id="{67126874-62FF-C35E-2342-38DFE804EE99}"/>
               </a:ext>
             </a:extLst>
           </p:cNvPr>
@@ -9964,7 +10137,7 @@
           <p:cNvPr id="55" name="Straight Connector 54">
             <a:extLst>
               <a:ext uri="{FF2B5EF4-FFF2-40B4-BE49-F238E27FC236}">
-                <a16:creationId xmlns:a16="http://schemas.microsoft.com/office/drawing/2014/main" id="{1A03A96D-3C22-DB49-8624-144A2962EE70}"/>
+                <a16:creationId xmlns:a16="http://schemas.microsoft.com/office/drawing/2014/main" id="{DE3B243D-78BF-B9E6-2A37-C8BF5F4CD874}"/>
               </a:ext>
             </a:extLst>
           </p:cNvPr>
@@ -10006,7 +10179,7 @@
           <p:cNvPr id="64" name="Straight Connector 63">
             <a:extLst>
               <a:ext uri="{FF2B5EF4-FFF2-40B4-BE49-F238E27FC236}">
-                <a16:creationId xmlns:a16="http://schemas.microsoft.com/office/drawing/2014/main" id="{EEA054FB-0695-F247-6B4B-8D5474E9F272}"/>
+                <a16:creationId xmlns:a16="http://schemas.microsoft.com/office/drawing/2014/main" id="{34CD1E85-91E2-5AE1-4870-ED07CBBC68C8}"/>
               </a:ext>
             </a:extLst>
           </p:cNvPr>
@@ -10048,7 +10221,7 @@
           <p:cNvPr id="67" name="Oval 66">
             <a:extLst>
               <a:ext uri="{FF2B5EF4-FFF2-40B4-BE49-F238E27FC236}">
-                <a16:creationId xmlns:a16="http://schemas.microsoft.com/office/drawing/2014/main" id="{11F463DF-BF64-820E-D202-3C9EB1753EEB}"/>
+                <a16:creationId xmlns:a16="http://schemas.microsoft.com/office/drawing/2014/main" id="{3372B4C5-8CC9-D41E-A7F3-810892205DBA}"/>
               </a:ext>
             </a:extLst>
           </p:cNvPr>
@@ -10103,7 +10276,7 @@
           <p:cNvPr id="68" name="Oval 67">
             <a:extLst>
               <a:ext uri="{FF2B5EF4-FFF2-40B4-BE49-F238E27FC236}">
-                <a16:creationId xmlns:a16="http://schemas.microsoft.com/office/drawing/2014/main" id="{4F79D6CD-A1B0-38A6-1DE0-BBB45273847A}"/>
+                <a16:creationId xmlns:a16="http://schemas.microsoft.com/office/drawing/2014/main" id="{06A626FA-C8AE-1583-4B26-9A87260B12CC}"/>
               </a:ext>
             </a:extLst>
           </p:cNvPr>
@@ -10158,7 +10331,7 @@
           <p:cNvPr id="69" name="TextBox 68">
             <a:extLst>
               <a:ext uri="{FF2B5EF4-FFF2-40B4-BE49-F238E27FC236}">
-                <a16:creationId xmlns:a16="http://schemas.microsoft.com/office/drawing/2014/main" id="{00A50008-6C07-9959-0D51-213B8E881406}"/>
+                <a16:creationId xmlns:a16="http://schemas.microsoft.com/office/drawing/2014/main" id="{D58951CF-2B09-9F55-513A-D8A92A0E374D}"/>
               </a:ext>
             </a:extLst>
           </p:cNvPr>
@@ -10202,7 +10375,7 @@
           <p:cNvPr id="70" name="TextBox 69">
             <a:extLst>
               <a:ext uri="{FF2B5EF4-FFF2-40B4-BE49-F238E27FC236}">
-                <a16:creationId xmlns:a16="http://schemas.microsoft.com/office/drawing/2014/main" id="{E930E40E-F635-6E71-58A5-6AD360A223FB}"/>
+                <a16:creationId xmlns:a16="http://schemas.microsoft.com/office/drawing/2014/main" id="{1A5A57C2-4FEF-4F10-7DEF-D1EBA3931FB8}"/>
               </a:ext>
             </a:extLst>
           </p:cNvPr>
@@ -10246,7 +10419,7 @@
           <p:cNvPr id="72" name="TextBox 71">
             <a:extLst>
               <a:ext uri="{FF2B5EF4-FFF2-40B4-BE49-F238E27FC236}">
-                <a16:creationId xmlns:a16="http://schemas.microsoft.com/office/drawing/2014/main" id="{F3AD2D05-2AF5-CA4C-882B-92DD43601F94}"/>
+                <a16:creationId xmlns:a16="http://schemas.microsoft.com/office/drawing/2014/main" id="{D069E539-D95B-01F6-DB57-50F9CEB18823}"/>
               </a:ext>
             </a:extLst>
           </p:cNvPr>
@@ -10290,7 +10463,7 @@
           <p:cNvPr id="73" name="TextBox 72">
             <a:extLst>
               <a:ext uri="{FF2B5EF4-FFF2-40B4-BE49-F238E27FC236}">
-                <a16:creationId xmlns:a16="http://schemas.microsoft.com/office/drawing/2014/main" id="{F1CBDE94-B8C5-5069-C8B9-0DE7F85B5810}"/>
+                <a16:creationId xmlns:a16="http://schemas.microsoft.com/office/drawing/2014/main" id="{63925C41-CDA0-3900-5077-A9AD4ADEBA9F}"/>
               </a:ext>
             </a:extLst>
           </p:cNvPr>
@@ -10334,7 +10507,7 @@
           <p:cNvPr id="74" name="Picture 73" descr="motivations-icon.png">
             <a:extLst>
               <a:ext uri="{FF2B5EF4-FFF2-40B4-BE49-F238E27FC236}">
-                <a16:creationId xmlns:a16="http://schemas.microsoft.com/office/drawing/2014/main" id="{AF13A7D6-3575-D3AE-50E9-FF6E6A70CEF8}"/>
+                <a16:creationId xmlns:a16="http://schemas.microsoft.com/office/drawing/2014/main" id="{8A324DD9-AE88-01DE-5B0B-E81EC8D6D314}"/>
               </a:ext>
             </a:extLst>
           </p:cNvPr>
@@ -10367,10 +10540,10 @@
       </p:pic>
       <p:sp>
         <p:nvSpPr>
-          <p:cNvPr id="87" name="TextBox 86">
-            <a:extLst>
-              <a:ext uri="{FF2B5EF4-FFF2-40B4-BE49-F238E27FC236}">
-                <a16:creationId xmlns:a16="http://schemas.microsoft.com/office/drawing/2014/main" id="{CB9F97CB-504E-AEC1-FAE6-DDB600FC7A4F}"/>
+          <p:cNvPr id="114" name="TextBox 113">
+            <a:extLst>
+              <a:ext uri="{FF2B5EF4-FFF2-40B4-BE49-F238E27FC236}">
+                <a16:creationId xmlns:a16="http://schemas.microsoft.com/office/drawing/2014/main" id="{49D447CB-ADC5-EF8D-F250-BB2A66A85BE4}"/>
               </a:ext>
             </a:extLst>
           </p:cNvPr>
@@ -10379,7 +10552,234 @@
         </p:nvSpPr>
         <p:spPr>
           <a:xfrm>
-            <a:off x="2585386" y="3646312"/>
+            <a:off x="4480069" y="311678"/>
+            <a:ext cx="1457857" cy="215444"/>
+          </a:xfrm>
+          <a:prstGeom prst="rect">
+            <a:avLst/>
+          </a:prstGeom>
+          <a:noFill/>
+        </p:spPr>
+        <p:txBody>
+          <a:bodyPr wrap="square" rtlCol="0">
+            <a:spAutoFit/>
+          </a:bodyPr>
+          <a:lstStyle/>
+          <a:p>
+            <a:r>
+              <a:rPr lang="en-US" sz="800" dirty="0">
+                <a:solidFill>
+                  <a:srgbClr val="1A8CB2"/>
+                </a:solidFill>
+              </a:rPr>
+              <a:t>BIO</a:t>
+            </a:r>
+          </a:p>
+        </p:txBody>
+      </p:sp>
+      <p:sp>
+        <p:nvSpPr>
+          <p:cNvPr id="3" name="TextBox 2">
+            <a:extLst>
+              <a:ext uri="{FF2B5EF4-FFF2-40B4-BE49-F238E27FC236}">
+                <a16:creationId xmlns:a16="http://schemas.microsoft.com/office/drawing/2014/main" id="{40D6EAC5-5828-EB55-E227-F02C3697D0FB}"/>
+              </a:ext>
+            </a:extLst>
+          </p:cNvPr>
+          <p:cNvSpPr txBox="1"/>
+          <p:nvPr/>
+        </p:nvSpPr>
+        <p:spPr>
+          <a:xfrm>
+            <a:off x="252657" y="5855753"/>
+            <a:ext cx="920110" cy="641201"/>
+          </a:xfrm>
+          <a:prstGeom prst="rect">
+            <a:avLst/>
+          </a:prstGeom>
+          <a:noFill/>
+        </p:spPr>
+        <p:txBody>
+          <a:bodyPr wrap="square" rtlCol="0">
+            <a:spAutoFit/>
+          </a:bodyPr>
+          <a:lstStyle/>
+          <a:p>
+            <a:pPr>
+              <a:lnSpc>
+                <a:spcPct val="120000"/>
+              </a:lnSpc>
+            </a:pPr>
+            <a:r>
+              <a:rPr lang="en-US" sz="1200" b="1" baseline="30000" dirty="0">
+                <a:solidFill>
+                  <a:schemeClr val="bg1"/>
+                </a:solidFill>
+              </a:rPr>
+              <a:t>STATUS:</a:t>
+            </a:r>
+          </a:p>
+          <a:p>
+            <a:pPr>
+              <a:lnSpc>
+                <a:spcPct val="120000"/>
+              </a:lnSpc>
+            </a:pPr>
+            <a:r>
+              <a:rPr lang="en-US" sz="1200" baseline="30000" dirty="0">
+                <a:solidFill>
+                  <a:schemeClr val="bg1"/>
+                </a:solidFill>
+              </a:rPr>
+              <a:t>Divorced</a:t>
+            </a:r>
+          </a:p>
+          <a:p>
+            <a:pPr>
+              <a:lnSpc>
+                <a:spcPct val="110000"/>
+              </a:lnSpc>
+            </a:pPr>
+            <a:endParaRPr lang="en-US" sz="1200" b="1" baseline="30000" dirty="0">
+              <a:solidFill>
+                <a:schemeClr val="bg1"/>
+              </a:solidFill>
+            </a:endParaRPr>
+          </a:p>
+          <a:p>
+            <a:pPr>
+              <a:lnSpc>
+                <a:spcPct val="120000"/>
+              </a:lnSpc>
+            </a:pPr>
+            <a:endParaRPr lang="mr-IN" sz="1000" baseline="30000" dirty="0">
+              <a:solidFill>
+                <a:schemeClr val="bg1"/>
+              </a:solidFill>
+            </a:endParaRPr>
+          </a:p>
+        </p:txBody>
+      </p:sp>
+      <p:sp>
+        <p:nvSpPr>
+          <p:cNvPr id="8" name="TextBox 7">
+            <a:extLst>
+              <a:ext uri="{FF2B5EF4-FFF2-40B4-BE49-F238E27FC236}">
+                <a16:creationId xmlns:a16="http://schemas.microsoft.com/office/drawing/2014/main" id="{DFF48CC6-3ACA-6F16-C48A-1AE448204A0B}"/>
+              </a:ext>
+            </a:extLst>
+          </p:cNvPr>
+          <p:cNvSpPr txBox="1"/>
+          <p:nvPr/>
+        </p:nvSpPr>
+        <p:spPr>
+          <a:xfrm>
+            <a:off x="1268379" y="5855753"/>
+            <a:ext cx="1010150" cy="377989"/>
+          </a:xfrm>
+          <a:prstGeom prst="rect">
+            <a:avLst/>
+          </a:prstGeom>
+          <a:noFill/>
+        </p:spPr>
+        <p:txBody>
+          <a:bodyPr wrap="square" rtlCol="0">
+            <a:spAutoFit/>
+          </a:bodyPr>
+          <a:lstStyle/>
+          <a:p>
+            <a:pPr>
+              <a:lnSpc>
+                <a:spcPct val="120000"/>
+              </a:lnSpc>
+            </a:pPr>
+            <a:r>
+              <a:rPr lang="en-US" sz="1200" b="1" baseline="30000" dirty="0">
+                <a:solidFill>
+                  <a:schemeClr val="bg1"/>
+                </a:solidFill>
+              </a:rPr>
+              <a:t>Dependents:</a:t>
+            </a:r>
+          </a:p>
+          <a:p>
+            <a:pPr>
+              <a:lnSpc>
+                <a:spcPct val="120000"/>
+              </a:lnSpc>
+            </a:pPr>
+            <a:r>
+              <a:rPr lang="en-US" sz="1200" baseline="30000" dirty="0">
+                <a:solidFill>
+                  <a:schemeClr val="bg1"/>
+                </a:solidFill>
+              </a:rPr>
+              <a:t>3 children</a:t>
+            </a:r>
+          </a:p>
+        </p:txBody>
+      </p:sp>
+      <p:cxnSp>
+        <p:nvCxnSpPr>
+          <p:cNvPr id="2" name="Straight Connector 1">
+            <a:extLst>
+              <a:ext uri="{FF2B5EF4-FFF2-40B4-BE49-F238E27FC236}">
+                <a16:creationId xmlns:a16="http://schemas.microsoft.com/office/drawing/2014/main" id="{402F3591-9CF0-7877-0EC0-B86CBC246FDA}"/>
+              </a:ext>
+            </a:extLst>
+          </p:cNvPr>
+          <p:cNvCxnSpPr>
+            <a:cxnSpLocks/>
+          </p:cNvCxnSpPr>
+          <p:nvPr/>
+        </p:nvCxnSpPr>
+        <p:spPr>
+          <a:xfrm flipH="1">
+            <a:off x="2278528" y="3134050"/>
+            <a:ext cx="6865200" cy="0"/>
+          </a:xfrm>
+          <a:prstGeom prst="line">
+            <a:avLst/>
+          </a:prstGeom>
+          <a:ln w="15875">
+            <a:solidFill>
+              <a:srgbClr val="26A3A1">
+                <a:alpha val="10000"/>
+              </a:srgbClr>
+            </a:solidFill>
+          </a:ln>
+          <a:effectLst/>
+        </p:spPr>
+        <p:style>
+          <a:lnRef idx="2">
+            <a:schemeClr val="accent1"/>
+          </a:lnRef>
+          <a:fillRef idx="0">
+            <a:schemeClr val="accent1"/>
+          </a:fillRef>
+          <a:effectRef idx="1">
+            <a:schemeClr val="accent1"/>
+          </a:effectRef>
+          <a:fontRef idx="minor">
+            <a:schemeClr val="tx1"/>
+          </a:fontRef>
+        </p:style>
+      </p:cxnSp>
+      <p:sp>
+        <p:nvSpPr>
+          <p:cNvPr id="15" name="TextBox 14">
+            <a:extLst>
+              <a:ext uri="{FF2B5EF4-FFF2-40B4-BE49-F238E27FC236}">
+                <a16:creationId xmlns:a16="http://schemas.microsoft.com/office/drawing/2014/main" id="{71FCE494-205C-92AB-3D8D-4BBC538F05F0}"/>
+              </a:ext>
+            </a:extLst>
+          </p:cNvPr>
+          <p:cNvSpPr txBox="1"/>
+          <p:nvPr/>
+        </p:nvSpPr>
+        <p:spPr>
+          <a:xfrm>
+            <a:off x="2585386" y="3557412"/>
             <a:ext cx="2948930" cy="627288"/>
           </a:xfrm>
           <a:prstGeom prst="rect">
@@ -10464,10 +10864,10 @@
       </p:sp>
       <p:sp>
         <p:nvSpPr>
-          <p:cNvPr id="88" name="TextBox 87">
-            <a:extLst>
-              <a:ext uri="{FF2B5EF4-FFF2-40B4-BE49-F238E27FC236}">
-                <a16:creationId xmlns:a16="http://schemas.microsoft.com/office/drawing/2014/main" id="{D993AE4A-FE16-E382-895E-5F7C15119439}"/>
+          <p:cNvPr id="16" name="TextBox 15">
+            <a:extLst>
+              <a:ext uri="{FF2B5EF4-FFF2-40B4-BE49-F238E27FC236}">
+                <a16:creationId xmlns:a16="http://schemas.microsoft.com/office/drawing/2014/main" id="{90A4B5D5-A262-1526-4F20-0D4E62EB6433}"/>
               </a:ext>
             </a:extLst>
           </p:cNvPr>
@@ -10476,7 +10876,7 @@
         </p:nvSpPr>
         <p:spPr>
           <a:xfrm>
-            <a:off x="2974381" y="3380959"/>
+            <a:off x="2974381" y="3292059"/>
             <a:ext cx="1457857" cy="230832"/>
           </a:xfrm>
           <a:prstGeom prst="rect">
@@ -10503,10 +10903,10 @@
       </p:sp>
       <p:cxnSp>
         <p:nvCxnSpPr>
-          <p:cNvPr id="100" name="Straight Connector 99">
-            <a:extLst>
-              <a:ext uri="{FF2B5EF4-FFF2-40B4-BE49-F238E27FC236}">
-                <a16:creationId xmlns:a16="http://schemas.microsoft.com/office/drawing/2014/main" id="{0A4C59C6-A012-2417-4B00-C10861F57772}"/>
+          <p:cNvPr id="17" name="Straight Connector 16">
+            <a:extLst>
+              <a:ext uri="{FF2B5EF4-FFF2-40B4-BE49-F238E27FC236}">
+                <a16:creationId xmlns:a16="http://schemas.microsoft.com/office/drawing/2014/main" id="{04E812EC-F629-1BE5-1287-EDE92B9158C7}"/>
               </a:ext>
             </a:extLst>
           </p:cNvPr>
@@ -10517,8 +10917,8 @@
         </p:nvCxnSpPr>
         <p:spPr>
           <a:xfrm>
-            <a:off x="5814102" y="3086115"/>
-            <a:ext cx="17257" cy="3769380"/>
+            <a:off x="5814102" y="3134050"/>
+            <a:ext cx="37423" cy="2444378"/>
           </a:xfrm>
           <a:prstGeom prst="line">
             <a:avLst/>
@@ -10549,10 +10949,10 @@
       </p:cxnSp>
       <p:pic>
         <p:nvPicPr>
-          <p:cNvPr id="102" name="Picture 101" descr="goals-icon.png">
-            <a:extLst>
-              <a:ext uri="{FF2B5EF4-FFF2-40B4-BE49-F238E27FC236}">
-                <a16:creationId xmlns:a16="http://schemas.microsoft.com/office/drawing/2014/main" id="{9A3718F4-AD71-1E9F-577B-FBA19E38008B}"/>
+          <p:cNvPr id="18" name="Picture 17" descr="goals-icon.png">
+            <a:extLst>
+              <a:ext uri="{FF2B5EF4-FFF2-40B4-BE49-F238E27FC236}">
+                <a16:creationId xmlns:a16="http://schemas.microsoft.com/office/drawing/2014/main" id="{4221E398-9723-92FE-112E-876D6EF833EA}"/>
               </a:ext>
             </a:extLst>
           </p:cNvPr>
@@ -10575,7 +10975,7 @@
         </p:blipFill>
         <p:spPr>
           <a:xfrm>
-            <a:off x="2731539" y="3334951"/>
+            <a:off x="2731539" y="3246051"/>
             <a:ext cx="240427" cy="240427"/>
           </a:xfrm>
           <a:prstGeom prst="rect">
@@ -10585,10 +10985,10 @@
       </p:pic>
       <p:sp>
         <p:nvSpPr>
-          <p:cNvPr id="109" name="TextBox 108">
-            <a:extLst>
-              <a:ext uri="{FF2B5EF4-FFF2-40B4-BE49-F238E27FC236}">
-                <a16:creationId xmlns:a16="http://schemas.microsoft.com/office/drawing/2014/main" id="{4923FBBA-B449-7868-20C8-BBF3AA9ADB40}"/>
+          <p:cNvPr id="19" name="TextBox 18">
+            <a:extLst>
+              <a:ext uri="{FF2B5EF4-FFF2-40B4-BE49-F238E27FC236}">
+                <a16:creationId xmlns:a16="http://schemas.microsoft.com/office/drawing/2014/main" id="{EC03F5FF-4954-98D7-5BAC-D88E70FAB5FA}"/>
               </a:ext>
             </a:extLst>
           </p:cNvPr>
@@ -10597,7 +10997,7 @@
         </p:nvSpPr>
         <p:spPr>
           <a:xfrm>
-            <a:off x="6036320" y="3646312"/>
+            <a:off x="6036320" y="3557412"/>
             <a:ext cx="2948930" cy="627288"/>
           </a:xfrm>
           <a:prstGeom prst="rect">
@@ -10683,10 +11083,10 @@
       </p:sp>
       <p:sp>
         <p:nvSpPr>
-          <p:cNvPr id="110" name="TextBox 109">
-            <a:extLst>
-              <a:ext uri="{FF2B5EF4-FFF2-40B4-BE49-F238E27FC236}">
-                <a16:creationId xmlns:a16="http://schemas.microsoft.com/office/drawing/2014/main" id="{DC875049-EF29-A38B-450D-E06E3E98BAB1}"/>
+          <p:cNvPr id="20" name="TextBox 19">
+            <a:extLst>
+              <a:ext uri="{FF2B5EF4-FFF2-40B4-BE49-F238E27FC236}">
+                <a16:creationId xmlns:a16="http://schemas.microsoft.com/office/drawing/2014/main" id="{718839D4-F606-499C-D1DA-3F34418DD22B}"/>
               </a:ext>
             </a:extLst>
           </p:cNvPr>
@@ -10695,7 +11095,7 @@
         </p:nvSpPr>
         <p:spPr>
           <a:xfrm>
-            <a:off x="6420444" y="3380959"/>
+            <a:off x="6420444" y="3292059"/>
             <a:ext cx="1457857" cy="230832"/>
           </a:xfrm>
           <a:prstGeom prst="rect">
@@ -10722,10 +11122,10 @@
       </p:sp>
       <p:cxnSp>
         <p:nvCxnSpPr>
-          <p:cNvPr id="113" name="Straight Connector 112">
-            <a:extLst>
-              <a:ext uri="{FF2B5EF4-FFF2-40B4-BE49-F238E27FC236}">
-                <a16:creationId xmlns:a16="http://schemas.microsoft.com/office/drawing/2014/main" id="{3AA683C2-FC39-AE8B-4950-6CA4497C1CC0}"/>
+          <p:cNvPr id="22" name="Straight Connector 21">
+            <a:extLst>
+              <a:ext uri="{FF2B5EF4-FFF2-40B4-BE49-F238E27FC236}">
+                <a16:creationId xmlns:a16="http://schemas.microsoft.com/office/drawing/2014/main" id="{9590CBF4-830B-2950-D6F2-07B75487833A}"/>
               </a:ext>
             </a:extLst>
           </p:cNvPr>
@@ -10736,7 +11136,7 @@
         </p:nvCxnSpPr>
         <p:spPr>
           <a:xfrm flipH="1">
-            <a:off x="2278528" y="4987615"/>
+            <a:off x="2278528" y="4317690"/>
             <a:ext cx="6865200" cy="0"/>
           </a:xfrm>
           <a:prstGeom prst="line">
@@ -10768,10 +11168,10 @@
       </p:cxnSp>
       <p:sp>
         <p:nvSpPr>
-          <p:cNvPr id="114" name="TextBox 113">
-            <a:extLst>
-              <a:ext uri="{FF2B5EF4-FFF2-40B4-BE49-F238E27FC236}">
-                <a16:creationId xmlns:a16="http://schemas.microsoft.com/office/drawing/2014/main" id="{6319DD0E-8900-608B-2B03-E335B9EF34AA}"/>
+          <p:cNvPr id="23" name="TextBox 22">
+            <a:extLst>
+              <a:ext uri="{FF2B5EF4-FFF2-40B4-BE49-F238E27FC236}">
+                <a16:creationId xmlns:a16="http://schemas.microsoft.com/office/drawing/2014/main" id="{3ABD7718-9275-F080-26F8-6C8924ADD8EE}"/>
               </a:ext>
             </a:extLst>
           </p:cNvPr>
@@ -10780,47 +11180,8 @@
         </p:nvSpPr>
         <p:spPr>
           <a:xfrm>
-            <a:off x="4480069" y="311678"/>
-            <a:ext cx="1457857" cy="215444"/>
-          </a:xfrm>
-          <a:prstGeom prst="rect">
-            <a:avLst/>
-          </a:prstGeom>
-          <a:noFill/>
-        </p:spPr>
-        <p:txBody>
-          <a:bodyPr wrap="square" rtlCol="0">
-            <a:spAutoFit/>
-          </a:bodyPr>
-          <a:lstStyle/>
-          <a:p>
-            <a:r>
-              <a:rPr lang="en-US" sz="800" dirty="0">
-                <a:solidFill>
-                  <a:srgbClr val="1A8CB2"/>
-                </a:solidFill>
-              </a:rPr>
-              <a:t>BIO</a:t>
-            </a:r>
-          </a:p>
-        </p:txBody>
-      </p:sp>
-      <p:sp>
-        <p:nvSpPr>
-          <p:cNvPr id="116" name="TextBox 115">
-            <a:extLst>
-              <a:ext uri="{FF2B5EF4-FFF2-40B4-BE49-F238E27FC236}">
-                <a16:creationId xmlns:a16="http://schemas.microsoft.com/office/drawing/2014/main" id="{7EDEF403-B195-BDF4-948B-9186C12904FE}"/>
-              </a:ext>
-            </a:extLst>
-          </p:cNvPr>
-          <p:cNvSpPr txBox="1"/>
-          <p:nvPr/>
-        </p:nvSpPr>
-        <p:spPr>
-          <a:xfrm>
-            <a:off x="2590256" y="5537976"/>
-            <a:ext cx="3014829" cy="627288"/>
+            <a:off x="2590256" y="4702951"/>
+            <a:ext cx="3014013" cy="627288"/>
           </a:xfrm>
           <a:prstGeom prst="rect">
             <a:avLst/>
@@ -10905,10 +11266,10 @@
       </p:sp>
       <p:sp>
         <p:nvSpPr>
-          <p:cNvPr id="117" name="TextBox 116">
-            <a:extLst>
-              <a:ext uri="{FF2B5EF4-FFF2-40B4-BE49-F238E27FC236}">
-                <a16:creationId xmlns:a16="http://schemas.microsoft.com/office/drawing/2014/main" id="{E1A332D5-5CDC-FA9C-1AB8-5CE6040D5E5A}"/>
+          <p:cNvPr id="24" name="TextBox 23">
+            <a:extLst>
+              <a:ext uri="{FF2B5EF4-FFF2-40B4-BE49-F238E27FC236}">
+                <a16:creationId xmlns:a16="http://schemas.microsoft.com/office/drawing/2014/main" id="{8EC8B458-8DE8-D813-EE8A-8E522EE385AA}"/>
               </a:ext>
             </a:extLst>
           </p:cNvPr>
@@ -10917,7 +11278,7 @@
         </p:nvSpPr>
         <p:spPr>
           <a:xfrm>
-            <a:off x="2974381" y="5272623"/>
+            <a:off x="2974381" y="4437598"/>
             <a:ext cx="1457857" cy="230832"/>
           </a:xfrm>
           <a:prstGeom prst="rect">
@@ -10944,10 +11305,10 @@
       </p:sp>
       <p:sp>
         <p:nvSpPr>
-          <p:cNvPr id="120" name="TextBox 119">
-            <a:extLst>
-              <a:ext uri="{FF2B5EF4-FFF2-40B4-BE49-F238E27FC236}">
-                <a16:creationId xmlns:a16="http://schemas.microsoft.com/office/drawing/2014/main" id="{4BD56A3C-E3DA-5DFF-6B1F-AACC79F26BFA}"/>
+          <p:cNvPr id="25" name="TextBox 24">
+            <a:extLst>
+              <a:ext uri="{FF2B5EF4-FFF2-40B4-BE49-F238E27FC236}">
+                <a16:creationId xmlns:a16="http://schemas.microsoft.com/office/drawing/2014/main" id="{47485A30-3BEC-0108-8BFF-5980079B1BEF}"/>
               </a:ext>
             </a:extLst>
           </p:cNvPr>
@@ -10956,8 +11317,8 @@
         </p:nvSpPr>
         <p:spPr>
           <a:xfrm>
-            <a:off x="6041191" y="5537976"/>
-            <a:ext cx="2948930" cy="996619"/>
+            <a:off x="6041190" y="4702951"/>
+            <a:ext cx="3043621" cy="811954"/>
           </a:xfrm>
           <a:prstGeom prst="rect">
             <a:avLst/>
@@ -11042,10 +11403,10 @@
       </p:sp>
       <p:sp>
         <p:nvSpPr>
-          <p:cNvPr id="121" name="TextBox 120">
-            <a:extLst>
-              <a:ext uri="{FF2B5EF4-FFF2-40B4-BE49-F238E27FC236}">
-                <a16:creationId xmlns:a16="http://schemas.microsoft.com/office/drawing/2014/main" id="{EA83E2F0-F173-F26E-0719-4BD321628E8A}"/>
+          <p:cNvPr id="26" name="TextBox 25">
+            <a:extLst>
+              <a:ext uri="{FF2B5EF4-FFF2-40B4-BE49-F238E27FC236}">
+                <a16:creationId xmlns:a16="http://schemas.microsoft.com/office/drawing/2014/main" id="{9E56FCAB-1C91-3DDB-91F5-163132824E5C}"/>
               </a:ext>
             </a:extLst>
           </p:cNvPr>
@@ -11054,7 +11415,7 @@
         </p:nvSpPr>
         <p:spPr>
           <a:xfrm>
-            <a:off x="6425315" y="5272623"/>
+            <a:off x="6425315" y="4437598"/>
             <a:ext cx="1457857" cy="230832"/>
           </a:xfrm>
           <a:prstGeom prst="rect">
@@ -11081,10 +11442,10 @@
       </p:sp>
       <p:pic>
         <p:nvPicPr>
-          <p:cNvPr id="144" name="Graphic 143" descr="Hurdle outline">
-            <a:extLst>
-              <a:ext uri="{FF2B5EF4-FFF2-40B4-BE49-F238E27FC236}">
-                <a16:creationId xmlns:a16="http://schemas.microsoft.com/office/drawing/2014/main" id="{A6E575C3-4C8D-AE65-F879-31D414BAC15A}"/>
+          <p:cNvPr id="27" name="Graphic 26" descr="Hurdle outline">
+            <a:extLst>
+              <a:ext uri="{FF2B5EF4-FFF2-40B4-BE49-F238E27FC236}">
+                <a16:creationId xmlns:a16="http://schemas.microsoft.com/office/drawing/2014/main" id="{EA2E2E52-1C63-AD0A-45E1-58FAFB66BD7E}"/>
               </a:ext>
             </a:extLst>
           </p:cNvPr>
@@ -11107,7 +11468,7 @@
         </p:blipFill>
         <p:spPr>
           <a:xfrm>
-            <a:off x="6154753" y="3336188"/>
+            <a:off x="6154753" y="3247288"/>
             <a:ext cx="292864" cy="292864"/>
           </a:xfrm>
           <a:prstGeom prst="rect">
@@ -11117,10 +11478,10 @@
       </p:pic>
       <p:pic>
         <p:nvPicPr>
-          <p:cNvPr id="146" name="Graphic 145" descr="Raised hand outline">
-            <a:extLst>
-              <a:ext uri="{FF2B5EF4-FFF2-40B4-BE49-F238E27FC236}">
-                <a16:creationId xmlns:a16="http://schemas.microsoft.com/office/drawing/2014/main" id="{7A75235C-6C13-B1D5-E88C-146CC5BE1157}"/>
+          <p:cNvPr id="28" name="Graphic 27" descr="Raised hand outline">
+            <a:extLst>
+              <a:ext uri="{FF2B5EF4-FFF2-40B4-BE49-F238E27FC236}">
+                <a16:creationId xmlns:a16="http://schemas.microsoft.com/office/drawing/2014/main" id="{81EF049B-1309-B967-367E-194A56024786}"/>
               </a:ext>
             </a:extLst>
           </p:cNvPr>
@@ -11143,7 +11504,7 @@
         </p:blipFill>
         <p:spPr>
           <a:xfrm>
-            <a:off x="2720730" y="5245112"/>
+            <a:off x="2720730" y="4410087"/>
             <a:ext cx="292864" cy="292864"/>
           </a:xfrm>
           <a:prstGeom prst="rect">
@@ -11153,10 +11514,10 @@
       </p:pic>
       <p:pic>
         <p:nvPicPr>
-          <p:cNvPr id="148" name="Graphic 147" descr="Comment Heart Break outline">
-            <a:extLst>
-              <a:ext uri="{FF2B5EF4-FFF2-40B4-BE49-F238E27FC236}">
-                <a16:creationId xmlns:a16="http://schemas.microsoft.com/office/drawing/2014/main" id="{26BBD974-03D9-98E0-96D3-86185A03DA63}"/>
+          <p:cNvPr id="29" name="Graphic 28" descr="Comment Heart Break outline">
+            <a:extLst>
+              <a:ext uri="{FF2B5EF4-FFF2-40B4-BE49-F238E27FC236}">
+                <a16:creationId xmlns:a16="http://schemas.microsoft.com/office/drawing/2014/main" id="{F1965C52-DE89-A668-A29D-82E2A11BABBA}"/>
               </a:ext>
             </a:extLst>
           </p:cNvPr>
@@ -11179,7 +11540,7 @@
         </p:blipFill>
         <p:spPr>
           <a:xfrm>
-            <a:off x="6154753" y="5246851"/>
+            <a:off x="6154753" y="4411826"/>
             <a:ext cx="292864" cy="292864"/>
           </a:xfrm>
           <a:prstGeom prst="rect">
@@ -11187,12 +11548,94 @@
           </a:prstGeom>
         </p:spPr>
       </p:pic>
-      <p:sp>
-        <p:nvSpPr>
-          <p:cNvPr id="3" name="TextBox 2">
-            <a:extLst>
-              <a:ext uri="{FF2B5EF4-FFF2-40B4-BE49-F238E27FC236}">
-                <a16:creationId xmlns:a16="http://schemas.microsoft.com/office/drawing/2014/main" id="{C0FBD6EC-3DFB-4202-D61A-4B6498E470C6}"/>
+      <p:cxnSp>
+        <p:nvCxnSpPr>
+          <p:cNvPr id="31" name="Straight Connector 30">
+            <a:extLst>
+              <a:ext uri="{FF2B5EF4-FFF2-40B4-BE49-F238E27FC236}">
+                <a16:creationId xmlns:a16="http://schemas.microsoft.com/office/drawing/2014/main" id="{82ECAB46-F73D-A602-8D13-F3F806F3222E}"/>
+              </a:ext>
+            </a:extLst>
+          </p:cNvPr>
+          <p:cNvCxnSpPr>
+            <a:cxnSpLocks/>
+          </p:cNvCxnSpPr>
+          <p:nvPr/>
+        </p:nvCxnSpPr>
+        <p:spPr>
+          <a:xfrm flipH="1">
+            <a:off x="2303249" y="5578428"/>
+            <a:ext cx="6865200" cy="0"/>
+          </a:xfrm>
+          <a:prstGeom prst="line">
+            <a:avLst/>
+          </a:prstGeom>
+          <a:ln w="15875">
+            <a:solidFill>
+              <a:srgbClr val="26A3A1">
+                <a:alpha val="10000"/>
+              </a:srgbClr>
+            </a:solidFill>
+          </a:ln>
+          <a:effectLst/>
+        </p:spPr>
+        <p:style>
+          <a:lnRef idx="2">
+            <a:schemeClr val="accent1"/>
+          </a:lnRef>
+          <a:fillRef idx="0">
+            <a:schemeClr val="accent1"/>
+          </a:fillRef>
+          <a:effectRef idx="1">
+            <a:schemeClr val="accent1"/>
+          </a:effectRef>
+          <a:fontRef idx="minor">
+            <a:schemeClr val="tx1"/>
+          </a:fontRef>
+        </p:style>
+      </p:cxnSp>
+      <p:pic>
+        <p:nvPicPr>
+          <p:cNvPr id="32" name="Graphic 31" descr="Internet outline">
+            <a:extLst>
+              <a:ext uri="{FF2B5EF4-FFF2-40B4-BE49-F238E27FC236}">
+                <a16:creationId xmlns:a16="http://schemas.microsoft.com/office/drawing/2014/main" id="{CA661528-91A4-39EF-D462-878C43B20BC9}"/>
+              </a:ext>
+            </a:extLst>
+          </p:cNvPr>
+          <p:cNvPicPr>
+            <a:picLocks noChangeAspect="1"/>
+          </p:cNvPicPr>
+          <p:nvPr/>
+        </p:nvPicPr>
+        <p:blipFill>
+          <a:blip r:embed="rId14">
+            <a:extLst>
+              <a:ext uri="{96DAC541-7B7A-43D3-8B79-37D633B846F1}">
+                <asvg:svgBlip xmlns:asvg="http://schemas.microsoft.com/office/drawing/2016/SVG/main" r:embed="rId15"/>
+              </a:ext>
+            </a:extLst>
+          </a:blip>
+          <a:stretch>
+            <a:fillRect/>
+          </a:stretch>
+        </p:blipFill>
+        <p:spPr>
+          <a:xfrm>
+            <a:off x="2683265" y="5649745"/>
+            <a:ext cx="343250" cy="343250"/>
+          </a:xfrm>
+          <a:prstGeom prst="rect">
+            <a:avLst/>
+          </a:prstGeom>
+        </p:spPr>
+      </p:pic>
+      <p:sp>
+        <p:nvSpPr>
+          <p:cNvPr id="34" name="TextBox 33">
+            <a:extLst>
+              <a:ext uri="{FF2B5EF4-FFF2-40B4-BE49-F238E27FC236}">
+                <a16:creationId xmlns:a16="http://schemas.microsoft.com/office/drawing/2014/main" id="{C16AC1BA-9EA1-A80B-99D9-93428A1BCBC9}"/>
               </a:ext>
             </a:extLst>
           </p:cNvPr>
@@ -11201,8 +11644,8 @@
         </p:nvSpPr>
         <p:spPr>
           <a:xfrm>
-            <a:off x="252657" y="5855753"/>
-            <a:ext cx="920110" cy="641201"/>
+            <a:off x="2974381" y="5711341"/>
+            <a:ext cx="2585875" cy="230832"/>
           </a:xfrm>
           <a:prstGeom prst="rect">
             <a:avLst/>
@@ -11215,67 +11658,23 @@
           </a:bodyPr>
           <a:lstStyle/>
           <a:p>
-            <a:pPr>
-              <a:lnSpc>
-                <a:spcPct val="120000"/>
-              </a:lnSpc>
-            </a:pPr>
-            <a:r>
-              <a:rPr lang="en-US" sz="1200" b="1" baseline="30000" dirty="0">
-                <a:solidFill>
-                  <a:schemeClr val="bg1"/>
+            <a:r>
+              <a:rPr lang="en-US" sz="900" dirty="0">
+                <a:solidFill>
+                  <a:srgbClr val="1A8CB2"/>
                 </a:solidFill>
               </a:rPr>
-              <a:t>STATUS:</a:t>
-            </a:r>
-          </a:p>
-          <a:p>
-            <a:pPr>
-              <a:lnSpc>
-                <a:spcPct val="120000"/>
-              </a:lnSpc>
-            </a:pPr>
-            <a:r>
-              <a:rPr lang="en-US" sz="1200" baseline="30000" dirty="0">
-                <a:solidFill>
-                  <a:schemeClr val="bg1"/>
-                </a:solidFill>
-              </a:rPr>
-              <a:t>Divorced</a:t>
-            </a:r>
-          </a:p>
-          <a:p>
-            <a:pPr>
-              <a:lnSpc>
-                <a:spcPct val="110000"/>
-              </a:lnSpc>
-            </a:pPr>
-            <a:endParaRPr lang="en-US" sz="1200" b="1" baseline="30000" dirty="0">
-              <a:solidFill>
-                <a:schemeClr val="bg1"/>
-              </a:solidFill>
-            </a:endParaRPr>
-          </a:p>
-          <a:p>
-            <a:pPr>
-              <a:lnSpc>
-                <a:spcPct val="120000"/>
-              </a:lnSpc>
-            </a:pPr>
-            <a:endParaRPr lang="mr-IN" sz="1000" baseline="30000" dirty="0">
-              <a:solidFill>
-                <a:schemeClr val="bg1"/>
-              </a:solidFill>
-            </a:endParaRPr>
-          </a:p>
-        </p:txBody>
-      </p:sp>
-      <p:sp>
-        <p:nvSpPr>
-          <p:cNvPr id="8" name="TextBox 7">
-            <a:extLst>
-              <a:ext uri="{FF2B5EF4-FFF2-40B4-BE49-F238E27FC236}">
-                <a16:creationId xmlns:a16="http://schemas.microsoft.com/office/drawing/2014/main" id="{183FF31F-33C5-2B0F-150C-1840C3F80F1A}"/>
+              <a:t>How the Web Application Addresses Needs:</a:t>
+            </a:r>
+          </a:p>
+        </p:txBody>
+      </p:sp>
+      <p:sp>
+        <p:nvSpPr>
+          <p:cNvPr id="37" name="TextBox 36">
+            <a:extLst>
+              <a:ext uri="{FF2B5EF4-FFF2-40B4-BE49-F238E27FC236}">
+                <a16:creationId xmlns:a16="http://schemas.microsoft.com/office/drawing/2014/main" id="{A1944463-E884-766A-0E04-0ED67D3B11FE}"/>
               </a:ext>
             </a:extLst>
           </p:cNvPr>
@@ -11284,8 +11683,8 @@
         </p:nvSpPr>
         <p:spPr>
           <a:xfrm>
-            <a:off x="1268379" y="5855753"/>
-            <a:ext cx="1010150" cy="377989"/>
+            <a:off x="2590256" y="5956580"/>
+            <a:ext cx="6394994" cy="627288"/>
           </a:xfrm>
           <a:prstGeom prst="rect">
             <a:avLst/>
@@ -11298,33 +11697,72 @@
           </a:bodyPr>
           <a:lstStyle/>
           <a:p>
-            <a:pPr>
+            <a:pPr marL="171450" lvl="0" indent="-171450">
               <a:lnSpc>
-                <a:spcPct val="120000"/>
+                <a:spcPct val="150000"/>
               </a:lnSpc>
+              <a:buClr>
+                <a:srgbClr val="2BC0BE"/>
+              </a:buClr>
+              <a:buFont typeface="Arial"/>
+              <a:buChar char="•"/>
             </a:pPr>
             <a:r>
-              <a:rPr lang="en-US" sz="1200" b="1" baseline="30000" dirty="0">
-                <a:solidFill>
-                  <a:schemeClr val="bg1"/>
+              <a:rPr lang="en-US" sz="800" dirty="0">
+                <a:solidFill>
+                  <a:schemeClr val="tx1">
+                    <a:lumMod val="50000"/>
+                    <a:lumOff val="50000"/>
+                  </a:schemeClr>
                 </a:solidFill>
               </a:rPr>
-              <a:t>Dependents:</a:t>
-            </a:r>
-          </a:p>
-          <a:p>
-            <a:pPr>
+              <a:t>Provides access to startup guides, legal templates, financial aid resources.</a:t>
+            </a:r>
+          </a:p>
+          <a:p>
+            <a:pPr marL="171450" lvl="0" indent="-171450">
               <a:lnSpc>
-                <a:spcPct val="120000"/>
+                <a:spcPct val="150000"/>
               </a:lnSpc>
+              <a:buClr>
+                <a:srgbClr val="2BC0BE"/>
+              </a:buClr>
+              <a:buFont typeface="Arial"/>
+              <a:buChar char="•"/>
             </a:pPr>
             <a:r>
-              <a:rPr lang="en-US" sz="1200" baseline="30000" dirty="0">
-                <a:solidFill>
-                  <a:schemeClr val="bg1"/>
+              <a:rPr lang="en-US" sz="800" dirty="0">
+                <a:solidFill>
+                  <a:schemeClr val="tx1">
+                    <a:lumMod val="50000"/>
+                    <a:lumOff val="50000"/>
+                  </a:schemeClr>
                 </a:solidFill>
               </a:rPr>
-              <a:t>3 children</a:t>
+              <a:t>Provides access to support groups within online forums for childcare support</a:t>
+            </a:r>
+          </a:p>
+          <a:p>
+            <a:pPr marL="171450" lvl="0" indent="-171450">
+              <a:lnSpc>
+                <a:spcPct val="150000"/>
+              </a:lnSpc>
+              <a:buClr>
+                <a:srgbClr val="2BC0BE"/>
+              </a:buClr>
+              <a:buFont typeface="Arial"/>
+              <a:buChar char="•"/>
+            </a:pPr>
+            <a:r>
+              <a:rPr lang="en-US" sz="800" dirty="0">
+                <a:solidFill>
+                  <a:schemeClr val="tx1">
+                    <a:lumMod val="50000"/>
+                    <a:lumOff val="50000"/>
+                  </a:schemeClr>
+                </a:solidFill>
+              </a:rPr>
+              <a:t>Provides an interactive local events calendar for networking and cultural integration.</a:t>
             </a:r>
           </a:p>
         </p:txBody>
@@ -11332,7 +11770,7 @@
     </p:spTree>
     <p:extLst>
       <p:ext uri="{BB962C8B-B14F-4D97-AF65-F5344CB8AC3E}">
-        <p14:creationId xmlns:p14="http://schemas.microsoft.com/office/powerpoint/2010/main" val="2215922494"/>
+        <p14:creationId xmlns:p14="http://schemas.microsoft.com/office/powerpoint/2010/main" val="2347489355"/>
       </p:ext>
     </p:extLst>
   </p:cSld>
@@ -11350,7 +11788,7 @@
         <p:cNvPr id="1" name="">
           <a:extLst>
             <a:ext uri="{FF2B5EF4-FFF2-40B4-BE49-F238E27FC236}">
-              <a16:creationId xmlns:a16="http://schemas.microsoft.com/office/drawing/2014/main" id="{15CCDFCA-ECDD-E1B9-EEA0-84D263177331}"/>
+              <a16:creationId xmlns:a16="http://schemas.microsoft.com/office/drawing/2014/main" id="{7C0E572C-1DE8-4032-360D-C0C0738BD5FF}"/>
             </a:ext>
           </a:extLst>
         </p:cNvPr>
@@ -11370,7 +11808,7 @@
           <p:cNvPr id="4100" name="Picture 4" descr="Young Arab Woman Stock Photo - Download Image Now - Women, Middle Eastern  Ethnicity, One Woman Only - iStock">
             <a:extLst>
               <a:ext uri="{FF2B5EF4-FFF2-40B4-BE49-F238E27FC236}">
-                <a16:creationId xmlns:a16="http://schemas.microsoft.com/office/drawing/2014/main" id="{2F40EDB7-7230-CDB8-0AEE-0D1CC768FB67}"/>
+                <a16:creationId xmlns:a16="http://schemas.microsoft.com/office/drawing/2014/main" id="{29C39124-10A3-25BF-543B-424218478DBF}"/>
               </a:ext>
             </a:extLst>
           </p:cNvPr>
@@ -11415,7 +11853,7 @@
           <p:cNvPr id="134" name="Rectangle 133">
             <a:extLst>
               <a:ext uri="{FF2B5EF4-FFF2-40B4-BE49-F238E27FC236}">
-                <a16:creationId xmlns:a16="http://schemas.microsoft.com/office/drawing/2014/main" id="{C3C8BA02-D796-15BA-D009-4F69B7D348CD}"/>
+                <a16:creationId xmlns:a16="http://schemas.microsoft.com/office/drawing/2014/main" id="{6D571F48-EEF0-48E3-ACB7-FA6343E9F874}"/>
               </a:ext>
             </a:extLst>
           </p:cNvPr>
@@ -11472,7 +11910,7 @@
           <p:cNvPr id="10" name="Rectangle 9">
             <a:extLst>
               <a:ext uri="{FF2B5EF4-FFF2-40B4-BE49-F238E27FC236}">
-                <a16:creationId xmlns:a16="http://schemas.microsoft.com/office/drawing/2014/main" id="{D457CC26-E96A-E59A-F64A-40CCDA271E92}"/>
+                <a16:creationId xmlns:a16="http://schemas.microsoft.com/office/drawing/2014/main" id="{10075B8D-230D-DB6D-AB0D-C2FE86C1BE1C}"/>
               </a:ext>
             </a:extLst>
           </p:cNvPr>
@@ -11535,7 +11973,7 @@
           <p:cNvPr id="9" name="TextBox 8">
             <a:extLst>
               <a:ext uri="{FF2B5EF4-FFF2-40B4-BE49-F238E27FC236}">
-                <a16:creationId xmlns:a16="http://schemas.microsoft.com/office/drawing/2014/main" id="{B42E6333-72B7-F4DC-5146-86E8F7ADCF06}"/>
+                <a16:creationId xmlns:a16="http://schemas.microsoft.com/office/drawing/2014/main" id="{ECC20180-CADD-0282-14B3-D5B0B89400D5}"/>
               </a:ext>
             </a:extLst>
           </p:cNvPr>
@@ -11575,7 +12013,7 @@
           <p:cNvPr id="11" name="TextBox 10">
             <a:extLst>
               <a:ext uri="{FF2B5EF4-FFF2-40B4-BE49-F238E27FC236}">
-                <a16:creationId xmlns:a16="http://schemas.microsoft.com/office/drawing/2014/main" id="{FB5CEFD7-6F6F-3389-6E93-33B555C064D2}"/>
+                <a16:creationId xmlns:a16="http://schemas.microsoft.com/office/drawing/2014/main" id="{41CBF991-F1F6-ECBA-972F-65BA691A6CE5}"/>
               </a:ext>
             </a:extLst>
           </p:cNvPr>
@@ -11615,7 +12053,7 @@
           <p:cNvPr id="12" name="TextBox 11">
             <a:extLst>
               <a:ext uri="{FF2B5EF4-FFF2-40B4-BE49-F238E27FC236}">
-                <a16:creationId xmlns:a16="http://schemas.microsoft.com/office/drawing/2014/main" id="{67246C18-3875-4560-2D97-997C8E0FC10B}"/>
+                <a16:creationId xmlns:a16="http://schemas.microsoft.com/office/drawing/2014/main" id="{0DB305A7-0CD6-140B-411E-4878EBEE4316}"/>
               </a:ext>
             </a:extLst>
           </p:cNvPr>
@@ -11655,7 +12093,7 @@
           <p:cNvPr id="14" name="Straight Connector 13">
             <a:extLst>
               <a:ext uri="{FF2B5EF4-FFF2-40B4-BE49-F238E27FC236}">
-                <a16:creationId xmlns:a16="http://schemas.microsoft.com/office/drawing/2014/main" id="{35018D4D-F657-5F55-74C8-96B037DDF574}"/>
+                <a16:creationId xmlns:a16="http://schemas.microsoft.com/office/drawing/2014/main" id="{EEEF6010-17AB-06A9-0960-C6F6F1948940}"/>
               </a:ext>
             </a:extLst>
           </p:cNvPr>
@@ -11697,7 +12135,7 @@
           <p:cNvPr id="62" name="TextBox 61">
             <a:extLst>
               <a:ext uri="{FF2B5EF4-FFF2-40B4-BE49-F238E27FC236}">
-                <a16:creationId xmlns:a16="http://schemas.microsoft.com/office/drawing/2014/main" id="{1398C301-5C92-E4CC-4D31-446F3CEA6EB2}"/>
+                <a16:creationId xmlns:a16="http://schemas.microsoft.com/office/drawing/2014/main" id="{984E9D36-E823-BF9A-C4BE-207BAA49F418}"/>
               </a:ext>
             </a:extLst>
           </p:cNvPr>
@@ -11729,7 +12167,7 @@
           <p:cNvPr id="4" name="TextBox 3">
             <a:extLst>
               <a:ext uri="{FF2B5EF4-FFF2-40B4-BE49-F238E27FC236}">
-                <a16:creationId xmlns:a16="http://schemas.microsoft.com/office/drawing/2014/main" id="{C7B47621-40B7-58BC-F3A4-DAEF2F18EA8B}"/>
+                <a16:creationId xmlns:a16="http://schemas.microsoft.com/office/drawing/2014/main" id="{DB34FFB8-2C9C-599A-8999-63FAE69E2A6F}"/>
               </a:ext>
             </a:extLst>
           </p:cNvPr>
@@ -11768,7 +12206,7 @@
           <p:cNvPr id="5" name="TextBox 4">
             <a:extLst>
               <a:ext uri="{FF2B5EF4-FFF2-40B4-BE49-F238E27FC236}">
-                <a16:creationId xmlns:a16="http://schemas.microsoft.com/office/drawing/2014/main" id="{2FD573B2-74E7-9F0B-5427-5891DA66D8A0}"/>
+                <a16:creationId xmlns:a16="http://schemas.microsoft.com/office/drawing/2014/main" id="{CA40A5EB-E60C-AA8C-54D5-FCBAB925237B}"/>
               </a:ext>
             </a:extLst>
           </p:cNvPr>
@@ -11815,7 +12253,7 @@
           <p:cNvPr id="6" name="TextBox 5">
             <a:extLst>
               <a:ext uri="{FF2B5EF4-FFF2-40B4-BE49-F238E27FC236}">
-                <a16:creationId xmlns:a16="http://schemas.microsoft.com/office/drawing/2014/main" id="{4CCBFF2A-B93E-1C29-C678-D921B67C5419}"/>
+                <a16:creationId xmlns:a16="http://schemas.microsoft.com/office/drawing/2014/main" id="{40BDBB45-FCEB-36C2-B1FD-A304E1D9C482}"/>
               </a:ext>
             </a:extLst>
           </p:cNvPr>
@@ -11913,7 +12351,7 @@
           <p:cNvPr id="7" name="Straight Connector 6">
             <a:extLst>
               <a:ext uri="{FF2B5EF4-FFF2-40B4-BE49-F238E27FC236}">
-                <a16:creationId xmlns:a16="http://schemas.microsoft.com/office/drawing/2014/main" id="{2245743C-6A02-4634-998E-DE15C4012324}"/>
+                <a16:creationId xmlns:a16="http://schemas.microsoft.com/office/drawing/2014/main" id="{F14E8CEC-1F97-3979-2AA2-B5F3ACD264B5}"/>
               </a:ext>
             </a:extLst>
           </p:cNvPr>
@@ -11959,7 +12397,7 @@
           <p:cNvPr id="13" name="Picture 12" descr="bio-icon.png">
             <a:extLst>
               <a:ext uri="{FF2B5EF4-FFF2-40B4-BE49-F238E27FC236}">
-                <a16:creationId xmlns:a16="http://schemas.microsoft.com/office/drawing/2014/main" id="{73889CAE-CB98-5A21-BD16-39D9F9411288}"/>
+                <a16:creationId xmlns:a16="http://schemas.microsoft.com/office/drawing/2014/main" id="{8005467C-745E-8CBE-7488-189BAE74202D}"/>
               </a:ext>
             </a:extLst>
           </p:cNvPr>
@@ -11995,7 +12433,7 @@
           <p:cNvPr id="21" name="Picture 20" descr="personality-icon.png">
             <a:extLst>
               <a:ext uri="{FF2B5EF4-FFF2-40B4-BE49-F238E27FC236}">
-                <a16:creationId xmlns:a16="http://schemas.microsoft.com/office/drawing/2014/main" id="{14D4ACC9-802F-7204-5A23-AB4548347C97}"/>
+                <a16:creationId xmlns:a16="http://schemas.microsoft.com/office/drawing/2014/main" id="{7B30B63A-B050-C9D7-A35B-5B588B22E7A9}"/>
               </a:ext>
             </a:extLst>
           </p:cNvPr>
@@ -12031,7 +12469,7 @@
           <p:cNvPr id="30" name="TextBox 29">
             <a:extLst>
               <a:ext uri="{FF2B5EF4-FFF2-40B4-BE49-F238E27FC236}">
-                <a16:creationId xmlns:a16="http://schemas.microsoft.com/office/drawing/2014/main" id="{DA5A2FDF-8179-84FF-C6C9-E4A864CCE057}"/>
+                <a16:creationId xmlns:a16="http://schemas.microsoft.com/office/drawing/2014/main" id="{AF8FB84A-E322-B4B3-0085-3C8AC8B8AE71}"/>
               </a:ext>
             </a:extLst>
           </p:cNvPr>
@@ -12070,7 +12508,7 @@
           <p:cNvPr id="33" name="Straight Connector 32">
             <a:extLst>
               <a:ext uri="{FF2B5EF4-FFF2-40B4-BE49-F238E27FC236}">
-                <a16:creationId xmlns:a16="http://schemas.microsoft.com/office/drawing/2014/main" id="{6C594031-B95F-BC0D-A401-B33ED4353129}"/>
+                <a16:creationId xmlns:a16="http://schemas.microsoft.com/office/drawing/2014/main" id="{3627D1BD-6CA8-A5CA-CED1-BFC5CA4BBC53}"/>
               </a:ext>
             </a:extLst>
           </p:cNvPr>
@@ -12116,7 +12554,7 @@
           <p:cNvPr id="35" name="Straight Connector 34">
             <a:extLst>
               <a:ext uri="{FF2B5EF4-FFF2-40B4-BE49-F238E27FC236}">
-                <a16:creationId xmlns:a16="http://schemas.microsoft.com/office/drawing/2014/main" id="{0EB16EDF-ED02-7900-FC12-1EDCFEA56E1E}"/>
+                <a16:creationId xmlns:a16="http://schemas.microsoft.com/office/drawing/2014/main" id="{23D11D3E-487C-EFAB-B42E-A9A593076C2A}"/>
               </a:ext>
             </a:extLst>
           </p:cNvPr>
@@ -12158,7 +12596,7 @@
           <p:cNvPr id="36" name="Straight Connector 35">
             <a:extLst>
               <a:ext uri="{FF2B5EF4-FFF2-40B4-BE49-F238E27FC236}">
-                <a16:creationId xmlns:a16="http://schemas.microsoft.com/office/drawing/2014/main" id="{9D08AA54-A44C-4CFE-0212-3BE6B3FB32AF}"/>
+                <a16:creationId xmlns:a16="http://schemas.microsoft.com/office/drawing/2014/main" id="{D35D74A1-35CE-95E4-E649-006321637FC6}"/>
               </a:ext>
             </a:extLst>
           </p:cNvPr>
@@ -12200,7 +12638,7 @@
           <p:cNvPr id="38" name="Straight Connector 37">
             <a:extLst>
               <a:ext uri="{FF2B5EF4-FFF2-40B4-BE49-F238E27FC236}">
-                <a16:creationId xmlns:a16="http://schemas.microsoft.com/office/drawing/2014/main" id="{AD5FD803-EB71-4805-7563-665C8B7FCF0D}"/>
+                <a16:creationId xmlns:a16="http://schemas.microsoft.com/office/drawing/2014/main" id="{6C3DB43B-536F-F08D-1873-783F1841F981}"/>
               </a:ext>
             </a:extLst>
           </p:cNvPr>
@@ -12242,7 +12680,7 @@
           <p:cNvPr id="41" name="Straight Connector 40">
             <a:extLst>
               <a:ext uri="{FF2B5EF4-FFF2-40B4-BE49-F238E27FC236}">
-                <a16:creationId xmlns:a16="http://schemas.microsoft.com/office/drawing/2014/main" id="{1DF66147-DEEA-310A-FB52-61144E73CB1B}"/>
+                <a16:creationId xmlns:a16="http://schemas.microsoft.com/office/drawing/2014/main" id="{C581FF32-6C9D-54F1-C971-1C96C338BF62}"/>
               </a:ext>
             </a:extLst>
           </p:cNvPr>
@@ -12284,7 +12722,7 @@
           <p:cNvPr id="65" name="Oval 64">
             <a:extLst>
               <a:ext uri="{FF2B5EF4-FFF2-40B4-BE49-F238E27FC236}">
-                <a16:creationId xmlns:a16="http://schemas.microsoft.com/office/drawing/2014/main" id="{36AB0549-D760-E1E8-C140-CDD574504A9C}"/>
+                <a16:creationId xmlns:a16="http://schemas.microsoft.com/office/drawing/2014/main" id="{E48967E1-B435-50CF-F3D9-002C9E215043}"/>
               </a:ext>
             </a:extLst>
           </p:cNvPr>
@@ -12339,7 +12777,7 @@
           <p:cNvPr id="66" name="Oval 65">
             <a:extLst>
               <a:ext uri="{FF2B5EF4-FFF2-40B4-BE49-F238E27FC236}">
-                <a16:creationId xmlns:a16="http://schemas.microsoft.com/office/drawing/2014/main" id="{3B2C0BC8-A952-B23B-A7EE-66BDE147CA07}"/>
+                <a16:creationId xmlns:a16="http://schemas.microsoft.com/office/drawing/2014/main" id="{7CA60F62-961A-DF42-31B5-24A43ED609C8}"/>
               </a:ext>
             </a:extLst>
           </p:cNvPr>
@@ -12394,7 +12832,7 @@
           <p:cNvPr id="45" name="Straight Connector 44">
             <a:extLst>
               <a:ext uri="{FF2B5EF4-FFF2-40B4-BE49-F238E27FC236}">
-                <a16:creationId xmlns:a16="http://schemas.microsoft.com/office/drawing/2014/main" id="{14902338-592B-9813-BD20-01922033F6C7}"/>
+                <a16:creationId xmlns:a16="http://schemas.microsoft.com/office/drawing/2014/main" id="{B70AD01F-815E-6E77-4F4A-08E7835B168D}"/>
               </a:ext>
             </a:extLst>
           </p:cNvPr>
@@ -12436,7 +12874,7 @@
           <p:cNvPr id="51" name="Straight Connector 50">
             <a:extLst>
               <a:ext uri="{FF2B5EF4-FFF2-40B4-BE49-F238E27FC236}">
-                <a16:creationId xmlns:a16="http://schemas.microsoft.com/office/drawing/2014/main" id="{BE04F37B-44E9-792D-D806-6E6F43F90E5C}"/>
+                <a16:creationId xmlns:a16="http://schemas.microsoft.com/office/drawing/2014/main" id="{A4099BF3-58C6-F89C-6DF1-EEC1B607ACCD}"/>
               </a:ext>
             </a:extLst>
           </p:cNvPr>
@@ -12478,7 +12916,7 @@
           <p:cNvPr id="55" name="Straight Connector 54">
             <a:extLst>
               <a:ext uri="{FF2B5EF4-FFF2-40B4-BE49-F238E27FC236}">
-                <a16:creationId xmlns:a16="http://schemas.microsoft.com/office/drawing/2014/main" id="{A42968FB-9571-4392-3A3E-46B5380BC994}"/>
+                <a16:creationId xmlns:a16="http://schemas.microsoft.com/office/drawing/2014/main" id="{29E951A7-2888-ECA0-5752-A8136235AF7A}"/>
               </a:ext>
             </a:extLst>
           </p:cNvPr>
@@ -12520,7 +12958,7 @@
           <p:cNvPr id="64" name="Straight Connector 63">
             <a:extLst>
               <a:ext uri="{FF2B5EF4-FFF2-40B4-BE49-F238E27FC236}">
-                <a16:creationId xmlns:a16="http://schemas.microsoft.com/office/drawing/2014/main" id="{8CFC1903-2965-2FA3-A5AB-D4C011731D7D}"/>
+                <a16:creationId xmlns:a16="http://schemas.microsoft.com/office/drawing/2014/main" id="{B38C64F2-7CEB-E730-36A6-893731A96139}"/>
               </a:ext>
             </a:extLst>
           </p:cNvPr>
@@ -12562,7 +13000,7 @@
           <p:cNvPr id="67" name="Oval 66">
             <a:extLst>
               <a:ext uri="{FF2B5EF4-FFF2-40B4-BE49-F238E27FC236}">
-                <a16:creationId xmlns:a16="http://schemas.microsoft.com/office/drawing/2014/main" id="{ACC9339A-048A-2F82-9220-761A62E18EE4}"/>
+                <a16:creationId xmlns:a16="http://schemas.microsoft.com/office/drawing/2014/main" id="{6E49AE25-3299-B588-528B-579B0C91ADD3}"/>
               </a:ext>
             </a:extLst>
           </p:cNvPr>
@@ -12617,7 +13055,7 @@
           <p:cNvPr id="68" name="Oval 67">
             <a:extLst>
               <a:ext uri="{FF2B5EF4-FFF2-40B4-BE49-F238E27FC236}">
-                <a16:creationId xmlns:a16="http://schemas.microsoft.com/office/drawing/2014/main" id="{02726854-36DC-62B0-E473-B65F8036E772}"/>
+                <a16:creationId xmlns:a16="http://schemas.microsoft.com/office/drawing/2014/main" id="{81D633D4-AEC2-CCCB-79F6-1B8EB765A945}"/>
               </a:ext>
             </a:extLst>
           </p:cNvPr>
@@ -12672,7 +13110,7 @@
           <p:cNvPr id="69" name="TextBox 68">
             <a:extLst>
               <a:ext uri="{FF2B5EF4-FFF2-40B4-BE49-F238E27FC236}">
-                <a16:creationId xmlns:a16="http://schemas.microsoft.com/office/drawing/2014/main" id="{A1192783-98F2-1EA7-B1B9-756C632B3C12}"/>
+                <a16:creationId xmlns:a16="http://schemas.microsoft.com/office/drawing/2014/main" id="{409406C4-1DBB-0986-CE62-45E340651464}"/>
               </a:ext>
             </a:extLst>
           </p:cNvPr>
@@ -12716,7 +13154,7 @@
           <p:cNvPr id="70" name="TextBox 69">
             <a:extLst>
               <a:ext uri="{FF2B5EF4-FFF2-40B4-BE49-F238E27FC236}">
-                <a16:creationId xmlns:a16="http://schemas.microsoft.com/office/drawing/2014/main" id="{BE5D218E-54F4-2F70-BBAA-000B89A40ACE}"/>
+                <a16:creationId xmlns:a16="http://schemas.microsoft.com/office/drawing/2014/main" id="{D1A1DE42-3156-A27C-E349-FDA771AA5DB9}"/>
               </a:ext>
             </a:extLst>
           </p:cNvPr>
@@ -12760,7 +13198,7 @@
           <p:cNvPr id="72" name="TextBox 71">
             <a:extLst>
               <a:ext uri="{FF2B5EF4-FFF2-40B4-BE49-F238E27FC236}">
-                <a16:creationId xmlns:a16="http://schemas.microsoft.com/office/drawing/2014/main" id="{2845FB4A-E225-6C0C-0193-5238522924D2}"/>
+                <a16:creationId xmlns:a16="http://schemas.microsoft.com/office/drawing/2014/main" id="{10BC907F-223B-40ED-32E8-F91D12EC1A5F}"/>
               </a:ext>
             </a:extLst>
           </p:cNvPr>
@@ -12804,7 +13242,7 @@
           <p:cNvPr id="73" name="TextBox 72">
             <a:extLst>
               <a:ext uri="{FF2B5EF4-FFF2-40B4-BE49-F238E27FC236}">
-                <a16:creationId xmlns:a16="http://schemas.microsoft.com/office/drawing/2014/main" id="{FA67D604-5952-ABB8-739E-6AB1993AAFDF}"/>
+                <a16:creationId xmlns:a16="http://schemas.microsoft.com/office/drawing/2014/main" id="{0B62050C-D30C-1C91-5D0A-01734A7A2A9C}"/>
               </a:ext>
             </a:extLst>
           </p:cNvPr>
@@ -12848,7 +13286,7 @@
           <p:cNvPr id="74" name="Picture 73" descr="motivations-icon.png">
             <a:extLst>
               <a:ext uri="{FF2B5EF4-FFF2-40B4-BE49-F238E27FC236}">
-                <a16:creationId xmlns:a16="http://schemas.microsoft.com/office/drawing/2014/main" id="{4A563836-F1AC-A74A-47B1-7E6CC352E9EF}"/>
+                <a16:creationId xmlns:a16="http://schemas.microsoft.com/office/drawing/2014/main" id="{000E774E-30B2-341F-EB74-ECC1AC119FB4}"/>
               </a:ext>
             </a:extLst>
           </p:cNvPr>
@@ -12881,10 +13319,10 @@
       </p:pic>
       <p:sp>
         <p:nvSpPr>
-          <p:cNvPr id="87" name="TextBox 86">
-            <a:extLst>
-              <a:ext uri="{FF2B5EF4-FFF2-40B4-BE49-F238E27FC236}">
-                <a16:creationId xmlns:a16="http://schemas.microsoft.com/office/drawing/2014/main" id="{69C93981-45A4-F01F-39F8-891C10EA5DB8}"/>
+          <p:cNvPr id="114" name="TextBox 113">
+            <a:extLst>
+              <a:ext uri="{FF2B5EF4-FFF2-40B4-BE49-F238E27FC236}">
+                <a16:creationId xmlns:a16="http://schemas.microsoft.com/office/drawing/2014/main" id="{34B68562-82F5-44DC-CECF-AC9FC494F230}"/>
               </a:ext>
             </a:extLst>
           </p:cNvPr>
@@ -12893,7 +13331,188 @@
         </p:nvSpPr>
         <p:spPr>
           <a:xfrm>
-            <a:off x="2585386" y="3646312"/>
+            <a:off x="4480069" y="311678"/>
+            <a:ext cx="1457857" cy="215444"/>
+          </a:xfrm>
+          <a:prstGeom prst="rect">
+            <a:avLst/>
+          </a:prstGeom>
+          <a:noFill/>
+        </p:spPr>
+        <p:txBody>
+          <a:bodyPr wrap="square" rtlCol="0">
+            <a:spAutoFit/>
+          </a:bodyPr>
+          <a:lstStyle/>
+          <a:p>
+            <a:r>
+              <a:rPr lang="en-US" sz="800" dirty="0">
+                <a:solidFill>
+                  <a:srgbClr val="1A8CB2"/>
+                </a:solidFill>
+              </a:rPr>
+              <a:t>BIO</a:t>
+            </a:r>
+          </a:p>
+        </p:txBody>
+      </p:sp>
+      <p:sp>
+        <p:nvSpPr>
+          <p:cNvPr id="3" name="TextBox 2">
+            <a:extLst>
+              <a:ext uri="{FF2B5EF4-FFF2-40B4-BE49-F238E27FC236}">
+                <a16:creationId xmlns:a16="http://schemas.microsoft.com/office/drawing/2014/main" id="{277ED04B-D2D3-CBA5-8C9E-EED2294F62BB}"/>
+              </a:ext>
+            </a:extLst>
+          </p:cNvPr>
+          <p:cNvSpPr txBox="1"/>
+          <p:nvPr/>
+        </p:nvSpPr>
+        <p:spPr>
+          <a:xfrm>
+            <a:off x="252657" y="5855753"/>
+            <a:ext cx="920110" cy="641201"/>
+          </a:xfrm>
+          <a:prstGeom prst="rect">
+            <a:avLst/>
+          </a:prstGeom>
+          <a:noFill/>
+        </p:spPr>
+        <p:txBody>
+          <a:bodyPr wrap="square" rtlCol="0">
+            <a:spAutoFit/>
+          </a:bodyPr>
+          <a:lstStyle/>
+          <a:p>
+            <a:pPr>
+              <a:lnSpc>
+                <a:spcPct val="120000"/>
+              </a:lnSpc>
+            </a:pPr>
+            <a:r>
+              <a:rPr lang="en-US" sz="1200" b="1" baseline="30000" dirty="0">
+                <a:solidFill>
+                  <a:schemeClr val="bg1"/>
+                </a:solidFill>
+              </a:rPr>
+              <a:t>STATUS:</a:t>
+            </a:r>
+          </a:p>
+          <a:p>
+            <a:pPr>
+              <a:lnSpc>
+                <a:spcPct val="120000"/>
+              </a:lnSpc>
+            </a:pPr>
+            <a:r>
+              <a:rPr lang="en-US" sz="1200" baseline="30000" dirty="0">
+                <a:solidFill>
+                  <a:schemeClr val="bg1"/>
+                </a:solidFill>
+              </a:rPr>
+              <a:t>Single</a:t>
+            </a:r>
+          </a:p>
+          <a:p>
+            <a:pPr>
+              <a:lnSpc>
+                <a:spcPct val="110000"/>
+              </a:lnSpc>
+            </a:pPr>
+            <a:endParaRPr lang="en-US" sz="1200" b="1" baseline="30000" dirty="0">
+              <a:solidFill>
+                <a:schemeClr val="bg1"/>
+              </a:solidFill>
+            </a:endParaRPr>
+          </a:p>
+          <a:p>
+            <a:pPr>
+              <a:lnSpc>
+                <a:spcPct val="120000"/>
+              </a:lnSpc>
+            </a:pPr>
+            <a:endParaRPr lang="mr-IN" sz="1000" baseline="30000" dirty="0">
+              <a:solidFill>
+                <a:schemeClr val="bg1"/>
+              </a:solidFill>
+            </a:endParaRPr>
+          </a:p>
+        </p:txBody>
+      </p:sp>
+      <p:sp>
+        <p:nvSpPr>
+          <p:cNvPr id="8" name="TextBox 7">
+            <a:extLst>
+              <a:ext uri="{FF2B5EF4-FFF2-40B4-BE49-F238E27FC236}">
+                <a16:creationId xmlns:a16="http://schemas.microsoft.com/office/drawing/2014/main" id="{1BD6645B-4922-543E-B9F6-B678492A2262}"/>
+              </a:ext>
+            </a:extLst>
+          </p:cNvPr>
+          <p:cNvSpPr txBox="1"/>
+          <p:nvPr/>
+        </p:nvSpPr>
+        <p:spPr>
+          <a:xfrm>
+            <a:off x="1268379" y="5855753"/>
+            <a:ext cx="1010150" cy="377989"/>
+          </a:xfrm>
+          <a:prstGeom prst="rect">
+            <a:avLst/>
+          </a:prstGeom>
+          <a:noFill/>
+        </p:spPr>
+        <p:txBody>
+          <a:bodyPr wrap="square" rtlCol="0">
+            <a:spAutoFit/>
+          </a:bodyPr>
+          <a:lstStyle/>
+          <a:p>
+            <a:pPr>
+              <a:lnSpc>
+                <a:spcPct val="120000"/>
+              </a:lnSpc>
+            </a:pPr>
+            <a:r>
+              <a:rPr lang="en-US" sz="1200" b="1" baseline="30000" dirty="0">
+                <a:solidFill>
+                  <a:schemeClr val="bg1"/>
+                </a:solidFill>
+              </a:rPr>
+              <a:t>Dependents:</a:t>
+            </a:r>
+          </a:p>
+          <a:p>
+            <a:pPr>
+              <a:lnSpc>
+                <a:spcPct val="120000"/>
+              </a:lnSpc>
+            </a:pPr>
+            <a:r>
+              <a:rPr lang="en-US" sz="1200" baseline="30000" dirty="0">
+                <a:solidFill>
+                  <a:schemeClr val="bg1"/>
+                </a:solidFill>
+              </a:rPr>
+              <a:t>N/A</a:t>
+            </a:r>
+          </a:p>
+        </p:txBody>
+      </p:sp>
+      <p:sp>
+        <p:nvSpPr>
+          <p:cNvPr id="2" name="TextBox 1">
+            <a:extLst>
+              <a:ext uri="{FF2B5EF4-FFF2-40B4-BE49-F238E27FC236}">
+                <a16:creationId xmlns:a16="http://schemas.microsoft.com/office/drawing/2014/main" id="{234060B8-F381-D7A0-E40D-8DE3C56B6E7F}"/>
+              </a:ext>
+            </a:extLst>
+          </p:cNvPr>
+          <p:cNvSpPr txBox="1"/>
+          <p:nvPr/>
+        </p:nvSpPr>
+        <p:spPr>
+          <a:xfrm>
+            <a:off x="2585386" y="3557412"/>
             <a:ext cx="2948930" cy="627288"/>
           </a:xfrm>
           <a:prstGeom prst="rect">
@@ -12978,10 +13597,10 @@
       </p:sp>
       <p:sp>
         <p:nvSpPr>
-          <p:cNvPr id="88" name="TextBox 87">
-            <a:extLst>
-              <a:ext uri="{FF2B5EF4-FFF2-40B4-BE49-F238E27FC236}">
-                <a16:creationId xmlns:a16="http://schemas.microsoft.com/office/drawing/2014/main" id="{3DEA2674-52B6-BB1A-3E57-2D2E74FF7B21}"/>
+          <p:cNvPr id="15" name="TextBox 14">
+            <a:extLst>
+              <a:ext uri="{FF2B5EF4-FFF2-40B4-BE49-F238E27FC236}">
+                <a16:creationId xmlns:a16="http://schemas.microsoft.com/office/drawing/2014/main" id="{E99218CE-537D-1FD5-5DAF-6A479D9302EE}"/>
               </a:ext>
             </a:extLst>
           </p:cNvPr>
@@ -12990,7 +13609,7 @@
         </p:nvSpPr>
         <p:spPr>
           <a:xfrm>
-            <a:off x="2974381" y="3380959"/>
+            <a:off x="2974381" y="3292059"/>
             <a:ext cx="1457857" cy="230832"/>
           </a:xfrm>
           <a:prstGeom prst="rect">
@@ -13015,58 +13634,12 @@
           </a:p>
         </p:txBody>
       </p:sp>
-      <p:cxnSp>
-        <p:nvCxnSpPr>
-          <p:cNvPr id="100" name="Straight Connector 99">
-            <a:extLst>
-              <a:ext uri="{FF2B5EF4-FFF2-40B4-BE49-F238E27FC236}">
-                <a16:creationId xmlns:a16="http://schemas.microsoft.com/office/drawing/2014/main" id="{4F9709A3-ED4D-7A82-9541-4054F97AD1FA}"/>
-              </a:ext>
-            </a:extLst>
-          </p:cNvPr>
-          <p:cNvCxnSpPr>
-            <a:cxnSpLocks/>
-          </p:cNvCxnSpPr>
-          <p:nvPr/>
-        </p:nvCxnSpPr>
-        <p:spPr>
-          <a:xfrm>
-            <a:off x="5814102" y="3086115"/>
-            <a:ext cx="17257" cy="3769380"/>
-          </a:xfrm>
-          <a:prstGeom prst="line">
-            <a:avLst/>
-          </a:prstGeom>
-          <a:ln w="15875">
-            <a:solidFill>
-              <a:srgbClr val="26A3A1">
-                <a:alpha val="10000"/>
-              </a:srgbClr>
-            </a:solidFill>
-          </a:ln>
-          <a:effectLst/>
-        </p:spPr>
-        <p:style>
-          <a:lnRef idx="2">
-            <a:schemeClr val="accent1"/>
-          </a:lnRef>
-          <a:fillRef idx="0">
-            <a:schemeClr val="accent1"/>
-          </a:fillRef>
-          <a:effectRef idx="1">
-            <a:schemeClr val="accent1"/>
-          </a:effectRef>
-          <a:fontRef idx="minor">
-            <a:schemeClr val="tx1"/>
-          </a:fontRef>
-        </p:style>
-      </p:cxnSp>
       <p:pic>
         <p:nvPicPr>
-          <p:cNvPr id="102" name="Picture 101" descr="goals-icon.png">
-            <a:extLst>
-              <a:ext uri="{FF2B5EF4-FFF2-40B4-BE49-F238E27FC236}">
-                <a16:creationId xmlns:a16="http://schemas.microsoft.com/office/drawing/2014/main" id="{7DC23B60-271E-D137-F746-D387684D09EE}"/>
+          <p:cNvPr id="16" name="Picture 15" descr="goals-icon.png">
+            <a:extLst>
+              <a:ext uri="{FF2B5EF4-FFF2-40B4-BE49-F238E27FC236}">
+                <a16:creationId xmlns:a16="http://schemas.microsoft.com/office/drawing/2014/main" id="{AC632FE0-8FF8-A8D3-0FB4-735156B8DD0E}"/>
               </a:ext>
             </a:extLst>
           </p:cNvPr>
@@ -13089,7 +13662,7 @@
         </p:blipFill>
         <p:spPr>
           <a:xfrm>
-            <a:off x="2731539" y="3334951"/>
+            <a:off x="2731539" y="3246051"/>
             <a:ext cx="240427" cy="240427"/>
           </a:xfrm>
           <a:prstGeom prst="rect">
@@ -13099,10 +13672,10 @@
       </p:pic>
       <p:sp>
         <p:nvSpPr>
-          <p:cNvPr id="109" name="TextBox 108">
-            <a:extLst>
-              <a:ext uri="{FF2B5EF4-FFF2-40B4-BE49-F238E27FC236}">
-                <a16:creationId xmlns:a16="http://schemas.microsoft.com/office/drawing/2014/main" id="{3A895BB4-11CA-1EB1-2F85-85984644A9C6}"/>
+          <p:cNvPr id="17" name="TextBox 16">
+            <a:extLst>
+              <a:ext uri="{FF2B5EF4-FFF2-40B4-BE49-F238E27FC236}">
+                <a16:creationId xmlns:a16="http://schemas.microsoft.com/office/drawing/2014/main" id="{C43B65AB-BA38-0163-8763-F7CC9BF6CE3C}"/>
               </a:ext>
             </a:extLst>
           </p:cNvPr>
@@ -13111,7 +13684,7 @@
         </p:nvSpPr>
         <p:spPr>
           <a:xfrm>
-            <a:off x="6036320" y="3646312"/>
+            <a:off x="6036320" y="3557412"/>
             <a:ext cx="2948930" cy="627288"/>
           </a:xfrm>
           <a:prstGeom prst="rect">
@@ -13197,10 +13770,10 @@
       </p:sp>
       <p:sp>
         <p:nvSpPr>
-          <p:cNvPr id="110" name="TextBox 109">
-            <a:extLst>
-              <a:ext uri="{FF2B5EF4-FFF2-40B4-BE49-F238E27FC236}">
-                <a16:creationId xmlns:a16="http://schemas.microsoft.com/office/drawing/2014/main" id="{25D825FE-B423-7E91-903D-336AE7B02B5C}"/>
+          <p:cNvPr id="18" name="TextBox 17">
+            <a:extLst>
+              <a:ext uri="{FF2B5EF4-FFF2-40B4-BE49-F238E27FC236}">
+                <a16:creationId xmlns:a16="http://schemas.microsoft.com/office/drawing/2014/main" id="{9DF855D4-00BC-1989-5C88-6D66185A190C}"/>
               </a:ext>
             </a:extLst>
           </p:cNvPr>
@@ -13209,7 +13782,7 @@
         </p:nvSpPr>
         <p:spPr>
           <a:xfrm>
-            <a:off x="6420444" y="3380959"/>
+            <a:off x="6420444" y="3292059"/>
             <a:ext cx="1457857" cy="230832"/>
           </a:xfrm>
           <a:prstGeom prst="rect">
@@ -13236,10 +13809,10 @@
       </p:sp>
       <p:cxnSp>
         <p:nvCxnSpPr>
-          <p:cNvPr id="113" name="Straight Connector 112">
-            <a:extLst>
-              <a:ext uri="{FF2B5EF4-FFF2-40B4-BE49-F238E27FC236}">
-                <a16:creationId xmlns:a16="http://schemas.microsoft.com/office/drawing/2014/main" id="{6A0E3D0C-282A-9B8C-37F4-49EF00B0A24A}"/>
+          <p:cNvPr id="19" name="Straight Connector 18">
+            <a:extLst>
+              <a:ext uri="{FF2B5EF4-FFF2-40B4-BE49-F238E27FC236}">
+                <a16:creationId xmlns:a16="http://schemas.microsoft.com/office/drawing/2014/main" id="{4AFD9238-0CD1-5A3C-567B-B278AAC6954F}"/>
               </a:ext>
             </a:extLst>
           </p:cNvPr>
@@ -13250,7 +13823,7 @@
         </p:nvCxnSpPr>
         <p:spPr>
           <a:xfrm flipH="1">
-            <a:off x="2278528" y="4987615"/>
+            <a:off x="2278528" y="4317690"/>
             <a:ext cx="6865200" cy="0"/>
           </a:xfrm>
           <a:prstGeom prst="line">
@@ -13282,10 +13855,10 @@
       </p:cxnSp>
       <p:sp>
         <p:nvSpPr>
-          <p:cNvPr id="114" name="TextBox 113">
-            <a:extLst>
-              <a:ext uri="{FF2B5EF4-FFF2-40B4-BE49-F238E27FC236}">
-                <a16:creationId xmlns:a16="http://schemas.microsoft.com/office/drawing/2014/main" id="{36A58A56-A501-E4C3-481F-A09EB133B975}"/>
+          <p:cNvPr id="20" name="TextBox 19">
+            <a:extLst>
+              <a:ext uri="{FF2B5EF4-FFF2-40B4-BE49-F238E27FC236}">
+                <a16:creationId xmlns:a16="http://schemas.microsoft.com/office/drawing/2014/main" id="{E17B5FEE-619A-5DBA-F70B-0DD036F10A62}"/>
               </a:ext>
             </a:extLst>
           </p:cNvPr>
@@ -13294,47 +13867,8 @@
         </p:nvSpPr>
         <p:spPr>
           <a:xfrm>
-            <a:off x="4480069" y="311678"/>
-            <a:ext cx="1457857" cy="215444"/>
-          </a:xfrm>
-          <a:prstGeom prst="rect">
-            <a:avLst/>
-          </a:prstGeom>
-          <a:noFill/>
-        </p:spPr>
-        <p:txBody>
-          <a:bodyPr wrap="square" rtlCol="0">
-            <a:spAutoFit/>
-          </a:bodyPr>
-          <a:lstStyle/>
-          <a:p>
-            <a:r>
-              <a:rPr lang="en-US" sz="800" dirty="0">
-                <a:solidFill>
-                  <a:srgbClr val="1A8CB2"/>
-                </a:solidFill>
-              </a:rPr>
-              <a:t>BIO</a:t>
-            </a:r>
-          </a:p>
-        </p:txBody>
-      </p:sp>
-      <p:sp>
-        <p:nvSpPr>
-          <p:cNvPr id="116" name="TextBox 115">
-            <a:extLst>
-              <a:ext uri="{FF2B5EF4-FFF2-40B4-BE49-F238E27FC236}">
-                <a16:creationId xmlns:a16="http://schemas.microsoft.com/office/drawing/2014/main" id="{B0E52CA3-F90F-39AB-4A31-C09EA2BA3AF7}"/>
-              </a:ext>
-            </a:extLst>
-          </p:cNvPr>
-          <p:cNvSpPr txBox="1"/>
-          <p:nvPr/>
-        </p:nvSpPr>
-        <p:spPr>
-          <a:xfrm>
-            <a:off x="2590256" y="5537976"/>
-            <a:ext cx="3129407" cy="627288"/>
+            <a:off x="2590256" y="4702951"/>
+            <a:ext cx="3207069" cy="627288"/>
           </a:xfrm>
           <a:prstGeom prst="rect">
             <a:avLst/>
@@ -13419,10 +13953,10 @@
       </p:sp>
       <p:sp>
         <p:nvSpPr>
-          <p:cNvPr id="117" name="TextBox 116">
-            <a:extLst>
-              <a:ext uri="{FF2B5EF4-FFF2-40B4-BE49-F238E27FC236}">
-                <a16:creationId xmlns:a16="http://schemas.microsoft.com/office/drawing/2014/main" id="{17ECF230-C687-5206-6E97-196DEF804B66}"/>
+          <p:cNvPr id="22" name="TextBox 21">
+            <a:extLst>
+              <a:ext uri="{FF2B5EF4-FFF2-40B4-BE49-F238E27FC236}">
+                <a16:creationId xmlns:a16="http://schemas.microsoft.com/office/drawing/2014/main" id="{B5813A68-6820-8AB6-895A-0AE0BDE4C899}"/>
               </a:ext>
             </a:extLst>
           </p:cNvPr>
@@ -13431,7 +13965,7 @@
         </p:nvSpPr>
         <p:spPr>
           <a:xfrm>
-            <a:off x="2974381" y="5272623"/>
+            <a:off x="2974381" y="4437598"/>
             <a:ext cx="1457857" cy="230832"/>
           </a:xfrm>
           <a:prstGeom prst="rect">
@@ -13458,10 +13992,10 @@
       </p:sp>
       <p:sp>
         <p:nvSpPr>
-          <p:cNvPr id="120" name="TextBox 119">
-            <a:extLst>
-              <a:ext uri="{FF2B5EF4-FFF2-40B4-BE49-F238E27FC236}">
-                <a16:creationId xmlns:a16="http://schemas.microsoft.com/office/drawing/2014/main" id="{411D52B0-0F81-530C-55D6-9F107D79CC78}"/>
+          <p:cNvPr id="23" name="TextBox 22">
+            <a:extLst>
+              <a:ext uri="{FF2B5EF4-FFF2-40B4-BE49-F238E27FC236}">
+                <a16:creationId xmlns:a16="http://schemas.microsoft.com/office/drawing/2014/main" id="{0BFF99CA-A1CE-49E4-183D-32469D86F107}"/>
               </a:ext>
             </a:extLst>
           </p:cNvPr>
@@ -13470,7 +14004,7 @@
         </p:nvSpPr>
         <p:spPr>
           <a:xfrm>
-            <a:off x="6041191" y="5537976"/>
+            <a:off x="6041191" y="4702951"/>
             <a:ext cx="2948930" cy="627288"/>
           </a:xfrm>
           <a:prstGeom prst="rect">
@@ -13526,7 +14060,7 @@
                   </a:schemeClr>
                 </a:solidFill>
               </a:rPr>
-              <a:t>Limited industry contacts and job opportunities.</a:t>
+              <a:t>Limited industry contacts and knowledge of job opportunities.</a:t>
             </a:r>
           </a:p>
           <a:p>
@@ -13549,17 +14083,17 @@
                   </a:schemeClr>
                 </a:solidFill>
               </a:rPr>
-              <a:t>Frustration with career barriers.</a:t>
-            </a:r>
-          </a:p>
-        </p:txBody>
-      </p:sp>
-      <p:sp>
-        <p:nvSpPr>
-          <p:cNvPr id="121" name="TextBox 120">
-            <a:extLst>
-              <a:ext uri="{FF2B5EF4-FFF2-40B4-BE49-F238E27FC236}">
-                <a16:creationId xmlns:a16="http://schemas.microsoft.com/office/drawing/2014/main" id="{558D2E7E-2EDE-96ED-0590-298DE5C2D6AF}"/>
+              <a:t>Doesn’t know how to break through career barriers.</a:t>
+            </a:r>
+          </a:p>
+        </p:txBody>
+      </p:sp>
+      <p:sp>
+        <p:nvSpPr>
+          <p:cNvPr id="24" name="TextBox 23">
+            <a:extLst>
+              <a:ext uri="{FF2B5EF4-FFF2-40B4-BE49-F238E27FC236}">
+                <a16:creationId xmlns:a16="http://schemas.microsoft.com/office/drawing/2014/main" id="{F520564C-5F65-7B21-FCE8-75283FDD66C1}"/>
               </a:ext>
             </a:extLst>
           </p:cNvPr>
@@ -13568,7 +14102,7 @@
         </p:nvSpPr>
         <p:spPr>
           <a:xfrm>
-            <a:off x="6425315" y="5272623"/>
+            <a:off x="6425315" y="4437598"/>
             <a:ext cx="1457857" cy="230832"/>
           </a:xfrm>
           <a:prstGeom prst="rect">
@@ -13595,10 +14129,10 @@
       </p:sp>
       <p:pic>
         <p:nvPicPr>
-          <p:cNvPr id="144" name="Graphic 143" descr="Hurdle outline">
-            <a:extLst>
-              <a:ext uri="{FF2B5EF4-FFF2-40B4-BE49-F238E27FC236}">
-                <a16:creationId xmlns:a16="http://schemas.microsoft.com/office/drawing/2014/main" id="{F05F2435-7A7E-803E-CB2A-734EB1862334}"/>
+          <p:cNvPr id="25" name="Graphic 24" descr="Hurdle outline">
+            <a:extLst>
+              <a:ext uri="{FF2B5EF4-FFF2-40B4-BE49-F238E27FC236}">
+                <a16:creationId xmlns:a16="http://schemas.microsoft.com/office/drawing/2014/main" id="{70BE77B1-C745-44EF-CE87-97501C696208}"/>
               </a:ext>
             </a:extLst>
           </p:cNvPr>
@@ -13621,7 +14155,7 @@
         </p:blipFill>
         <p:spPr>
           <a:xfrm>
-            <a:off x="6154753" y="3336188"/>
+            <a:off x="6154753" y="3247288"/>
             <a:ext cx="292864" cy="292864"/>
           </a:xfrm>
           <a:prstGeom prst="rect">
@@ -13631,10 +14165,10 @@
       </p:pic>
       <p:pic>
         <p:nvPicPr>
-          <p:cNvPr id="146" name="Graphic 145" descr="Raised hand outline">
-            <a:extLst>
-              <a:ext uri="{FF2B5EF4-FFF2-40B4-BE49-F238E27FC236}">
-                <a16:creationId xmlns:a16="http://schemas.microsoft.com/office/drawing/2014/main" id="{FC7F1509-1CE2-D64B-DA86-2A5353E94BB6}"/>
+          <p:cNvPr id="26" name="Graphic 25" descr="Raised hand outline">
+            <a:extLst>
+              <a:ext uri="{FF2B5EF4-FFF2-40B4-BE49-F238E27FC236}">
+                <a16:creationId xmlns:a16="http://schemas.microsoft.com/office/drawing/2014/main" id="{14AFDB39-0168-8477-105F-E83E2FA1CBF1}"/>
               </a:ext>
             </a:extLst>
           </p:cNvPr>
@@ -13657,7 +14191,7 @@
         </p:blipFill>
         <p:spPr>
           <a:xfrm>
-            <a:off x="2720730" y="5245112"/>
+            <a:off x="2720730" y="4410087"/>
             <a:ext cx="292864" cy="292864"/>
           </a:xfrm>
           <a:prstGeom prst="rect">
@@ -13667,10 +14201,10 @@
       </p:pic>
       <p:pic>
         <p:nvPicPr>
-          <p:cNvPr id="148" name="Graphic 147" descr="Comment Heart Break outline">
-            <a:extLst>
-              <a:ext uri="{FF2B5EF4-FFF2-40B4-BE49-F238E27FC236}">
-                <a16:creationId xmlns:a16="http://schemas.microsoft.com/office/drawing/2014/main" id="{20D42CF0-9170-F123-4B9B-B392784723AF}"/>
+          <p:cNvPr id="27" name="Graphic 26" descr="Comment Heart Break outline">
+            <a:extLst>
+              <a:ext uri="{FF2B5EF4-FFF2-40B4-BE49-F238E27FC236}">
+                <a16:creationId xmlns:a16="http://schemas.microsoft.com/office/drawing/2014/main" id="{FBF7801D-AD00-F865-2708-F44F641B3781}"/>
               </a:ext>
             </a:extLst>
           </p:cNvPr>
@@ -13693,7 +14227,7 @@
         </p:blipFill>
         <p:spPr>
           <a:xfrm>
-            <a:off x="6154753" y="5246851"/>
+            <a:off x="6154753" y="4411826"/>
             <a:ext cx="292864" cy="292864"/>
           </a:xfrm>
           <a:prstGeom prst="rect">
@@ -13701,12 +14235,94 @@
           </a:prstGeom>
         </p:spPr>
       </p:pic>
-      <p:sp>
-        <p:nvSpPr>
-          <p:cNvPr id="3" name="TextBox 2">
-            <a:extLst>
-              <a:ext uri="{FF2B5EF4-FFF2-40B4-BE49-F238E27FC236}">
-                <a16:creationId xmlns:a16="http://schemas.microsoft.com/office/drawing/2014/main" id="{97C96FCF-5974-E77F-F314-DF5D6B55D798}"/>
+      <p:cxnSp>
+        <p:nvCxnSpPr>
+          <p:cNvPr id="28" name="Straight Connector 27">
+            <a:extLst>
+              <a:ext uri="{FF2B5EF4-FFF2-40B4-BE49-F238E27FC236}">
+                <a16:creationId xmlns:a16="http://schemas.microsoft.com/office/drawing/2014/main" id="{D09C6ADB-6518-C521-9E67-43C7878943AC}"/>
+              </a:ext>
+            </a:extLst>
+          </p:cNvPr>
+          <p:cNvCxnSpPr>
+            <a:cxnSpLocks/>
+          </p:cNvCxnSpPr>
+          <p:nvPr/>
+        </p:nvCxnSpPr>
+        <p:spPr>
+          <a:xfrm flipH="1">
+            <a:off x="2303249" y="5445078"/>
+            <a:ext cx="6865200" cy="0"/>
+          </a:xfrm>
+          <a:prstGeom prst="line">
+            <a:avLst/>
+          </a:prstGeom>
+          <a:ln w="15875">
+            <a:solidFill>
+              <a:srgbClr val="26A3A1">
+                <a:alpha val="10000"/>
+              </a:srgbClr>
+            </a:solidFill>
+          </a:ln>
+          <a:effectLst/>
+        </p:spPr>
+        <p:style>
+          <a:lnRef idx="2">
+            <a:schemeClr val="accent1"/>
+          </a:lnRef>
+          <a:fillRef idx="0">
+            <a:schemeClr val="accent1"/>
+          </a:fillRef>
+          <a:effectRef idx="1">
+            <a:schemeClr val="accent1"/>
+          </a:effectRef>
+          <a:fontRef idx="minor">
+            <a:schemeClr val="tx1"/>
+          </a:fontRef>
+        </p:style>
+      </p:cxnSp>
+      <p:pic>
+        <p:nvPicPr>
+          <p:cNvPr id="29" name="Graphic 28" descr="Internet outline">
+            <a:extLst>
+              <a:ext uri="{FF2B5EF4-FFF2-40B4-BE49-F238E27FC236}">
+                <a16:creationId xmlns:a16="http://schemas.microsoft.com/office/drawing/2014/main" id="{F6BE91C1-7AE4-8A66-2763-1E2A183FBB5D}"/>
+              </a:ext>
+            </a:extLst>
+          </p:cNvPr>
+          <p:cNvPicPr>
+            <a:picLocks noChangeAspect="1"/>
+          </p:cNvPicPr>
+          <p:nvPr/>
+        </p:nvPicPr>
+        <p:blipFill>
+          <a:blip r:embed="rId14">
+            <a:extLst>
+              <a:ext uri="{96DAC541-7B7A-43D3-8B79-37D633B846F1}">
+                <asvg:svgBlip xmlns:asvg="http://schemas.microsoft.com/office/drawing/2016/SVG/main" r:embed="rId15"/>
+              </a:ext>
+            </a:extLst>
+          </a:blip>
+          <a:stretch>
+            <a:fillRect/>
+          </a:stretch>
+        </p:blipFill>
+        <p:spPr>
+          <a:xfrm>
+            <a:off x="2683265" y="5567195"/>
+            <a:ext cx="343250" cy="343250"/>
+          </a:xfrm>
+          <a:prstGeom prst="rect">
+            <a:avLst/>
+          </a:prstGeom>
+        </p:spPr>
+      </p:pic>
+      <p:sp>
+        <p:nvSpPr>
+          <p:cNvPr id="31" name="TextBox 30">
+            <a:extLst>
+              <a:ext uri="{FF2B5EF4-FFF2-40B4-BE49-F238E27FC236}">
+                <a16:creationId xmlns:a16="http://schemas.microsoft.com/office/drawing/2014/main" id="{885AD6F0-E0AD-73A3-F773-C5B2EA8E81B1}"/>
               </a:ext>
             </a:extLst>
           </p:cNvPr>
@@ -13715,8 +14331,8 @@
         </p:nvSpPr>
         <p:spPr>
           <a:xfrm>
-            <a:off x="252657" y="5855753"/>
-            <a:ext cx="920110" cy="641201"/>
+            <a:off x="2974381" y="5628791"/>
+            <a:ext cx="2585875" cy="230832"/>
           </a:xfrm>
           <a:prstGeom prst="rect">
             <a:avLst/>
@@ -13729,67 +14345,23 @@
           </a:bodyPr>
           <a:lstStyle/>
           <a:p>
-            <a:pPr>
-              <a:lnSpc>
-                <a:spcPct val="120000"/>
-              </a:lnSpc>
-            </a:pPr>
-            <a:r>
-              <a:rPr lang="en-US" sz="1200" b="1" baseline="30000" dirty="0">
-                <a:solidFill>
-                  <a:schemeClr val="bg1"/>
+            <a:r>
+              <a:rPr lang="en-US" sz="900" dirty="0">
+                <a:solidFill>
+                  <a:srgbClr val="1A8CB2"/>
                 </a:solidFill>
               </a:rPr>
-              <a:t>STATUS:</a:t>
-            </a:r>
-          </a:p>
-          <a:p>
-            <a:pPr>
-              <a:lnSpc>
-                <a:spcPct val="120000"/>
-              </a:lnSpc>
-            </a:pPr>
-            <a:r>
-              <a:rPr lang="en-US" sz="1200" baseline="30000" dirty="0">
-                <a:solidFill>
-                  <a:schemeClr val="bg1"/>
-                </a:solidFill>
-              </a:rPr>
-              <a:t>Single</a:t>
-            </a:r>
-          </a:p>
-          <a:p>
-            <a:pPr>
-              <a:lnSpc>
-                <a:spcPct val="110000"/>
-              </a:lnSpc>
-            </a:pPr>
-            <a:endParaRPr lang="en-US" sz="1200" b="1" baseline="30000" dirty="0">
-              <a:solidFill>
-                <a:schemeClr val="bg1"/>
-              </a:solidFill>
-            </a:endParaRPr>
-          </a:p>
-          <a:p>
-            <a:pPr>
-              <a:lnSpc>
-                <a:spcPct val="120000"/>
-              </a:lnSpc>
-            </a:pPr>
-            <a:endParaRPr lang="mr-IN" sz="1000" baseline="30000" dirty="0">
-              <a:solidFill>
-                <a:schemeClr val="bg1"/>
-              </a:solidFill>
-            </a:endParaRPr>
-          </a:p>
-        </p:txBody>
-      </p:sp>
-      <p:sp>
-        <p:nvSpPr>
-          <p:cNvPr id="8" name="TextBox 7">
-            <a:extLst>
-              <a:ext uri="{FF2B5EF4-FFF2-40B4-BE49-F238E27FC236}">
-                <a16:creationId xmlns:a16="http://schemas.microsoft.com/office/drawing/2014/main" id="{2139AC3B-BB11-4A3F-49C9-56F6B318CAB3}"/>
+              <a:t>How the Web Application Addresses Needs:</a:t>
+            </a:r>
+          </a:p>
+        </p:txBody>
+      </p:sp>
+      <p:sp>
+        <p:nvSpPr>
+          <p:cNvPr id="32" name="TextBox 31">
+            <a:extLst>
+              <a:ext uri="{FF2B5EF4-FFF2-40B4-BE49-F238E27FC236}">
+                <a16:creationId xmlns:a16="http://schemas.microsoft.com/office/drawing/2014/main" id="{B3F8046A-5B67-482F-F586-6347D4813D14}"/>
               </a:ext>
             </a:extLst>
           </p:cNvPr>
@@ -13798,8 +14370,8 @@
         </p:nvSpPr>
         <p:spPr>
           <a:xfrm>
-            <a:off x="1268379" y="5855753"/>
-            <a:ext cx="1010150" cy="377989"/>
+            <a:off x="2590256" y="5956580"/>
+            <a:ext cx="6394994" cy="627288"/>
           </a:xfrm>
           <a:prstGeom prst="rect">
             <a:avLst/>
@@ -13812,41 +14384,126 @@
           </a:bodyPr>
           <a:lstStyle/>
           <a:p>
-            <a:pPr>
+            <a:pPr marL="171450" lvl="0" indent="-171450">
               <a:lnSpc>
-                <a:spcPct val="120000"/>
+                <a:spcPct val="150000"/>
               </a:lnSpc>
+              <a:buClr>
+                <a:srgbClr val="2BC0BE"/>
+              </a:buClr>
+              <a:buFont typeface="Arial"/>
+              <a:buChar char="•"/>
             </a:pPr>
             <a:r>
-              <a:rPr lang="en-US" sz="1200" b="1" baseline="30000" dirty="0">
-                <a:solidFill>
-                  <a:schemeClr val="bg1"/>
+              <a:rPr lang="en-US" sz="800" dirty="0">
+                <a:solidFill>
+                  <a:schemeClr val="tx1">
+                    <a:lumMod val="50000"/>
+                    <a:lumOff val="50000"/>
+                  </a:schemeClr>
                 </a:solidFill>
               </a:rPr>
-              <a:t>Dependents:</a:t>
-            </a:r>
-          </a:p>
-          <a:p>
-            <a:pPr>
+              <a:t>Provides access to scholarship information with refugee-specific grants.</a:t>
+            </a:r>
+          </a:p>
+          <a:p>
+            <a:pPr marL="171450" lvl="0" indent="-171450">
               <a:lnSpc>
-                <a:spcPct val="120000"/>
+                <a:spcPct val="150000"/>
               </a:lnSpc>
+              <a:buClr>
+                <a:srgbClr val="2BC0BE"/>
+              </a:buClr>
+              <a:buFont typeface="Arial"/>
+              <a:buChar char="•"/>
             </a:pPr>
             <a:r>
-              <a:rPr lang="en-US" sz="1200" baseline="30000" dirty="0">
-                <a:solidFill>
-                  <a:schemeClr val="bg1"/>
+              <a:rPr lang="en-US" sz="800" dirty="0">
+                <a:solidFill>
+                  <a:schemeClr val="tx1">
+                    <a:lumMod val="50000"/>
+                    <a:lumOff val="50000"/>
+                  </a:schemeClr>
                 </a:solidFill>
               </a:rPr>
-              <a:t>N/A</a:t>
-            </a:r>
-          </a:p>
-        </p:txBody>
-      </p:sp>
+              <a:t>Provides a platform for mentorship &amp; careers guidance which connects mentors with mentees </a:t>
+            </a:r>
+          </a:p>
+          <a:p>
+            <a:pPr marL="171450" lvl="0" indent="-171450">
+              <a:lnSpc>
+                <a:spcPct val="150000"/>
+              </a:lnSpc>
+              <a:buClr>
+                <a:srgbClr val="2BC0BE"/>
+              </a:buClr>
+              <a:buFont typeface="Arial"/>
+              <a:buChar char="•"/>
+            </a:pPr>
+            <a:r>
+              <a:rPr lang="en-US" sz="800" dirty="0">
+                <a:solidFill>
+                  <a:schemeClr val="tx1">
+                    <a:lumMod val="50000"/>
+                    <a:lumOff val="50000"/>
+                  </a:schemeClr>
+                </a:solidFill>
+              </a:rPr>
+              <a:t>Provides a job search tool with targeted filters to cater for a refugee’s situation / environment </a:t>
+            </a:r>
+          </a:p>
+        </p:txBody>
+      </p:sp>
+      <p:cxnSp>
+        <p:nvCxnSpPr>
+          <p:cNvPr id="34" name="Straight Connector 33">
+            <a:extLst>
+              <a:ext uri="{FF2B5EF4-FFF2-40B4-BE49-F238E27FC236}">
+                <a16:creationId xmlns:a16="http://schemas.microsoft.com/office/drawing/2014/main" id="{8ED6EFA1-727C-4EE4-E565-57D31B8679FA}"/>
+              </a:ext>
+            </a:extLst>
+          </p:cNvPr>
+          <p:cNvCxnSpPr>
+            <a:cxnSpLocks/>
+          </p:cNvCxnSpPr>
+          <p:nvPr/>
+        </p:nvCxnSpPr>
+        <p:spPr>
+          <a:xfrm>
+            <a:off x="5814102" y="3134050"/>
+            <a:ext cx="37423" cy="2312251"/>
+          </a:xfrm>
+          <a:prstGeom prst="line">
+            <a:avLst/>
+          </a:prstGeom>
+          <a:ln w="15875">
+            <a:solidFill>
+              <a:srgbClr val="26A3A1">
+                <a:alpha val="10000"/>
+              </a:srgbClr>
+            </a:solidFill>
+          </a:ln>
+          <a:effectLst/>
+        </p:spPr>
+        <p:style>
+          <a:lnRef idx="2">
+            <a:schemeClr val="accent1"/>
+          </a:lnRef>
+          <a:fillRef idx="0">
+            <a:schemeClr val="accent1"/>
+          </a:fillRef>
+          <a:effectRef idx="1">
+            <a:schemeClr val="accent1"/>
+          </a:effectRef>
+          <a:fontRef idx="minor">
+            <a:schemeClr val="tx1"/>
+          </a:fontRef>
+        </p:style>
+      </p:cxnSp>
     </p:spTree>
     <p:extLst>
       <p:ext uri="{BB962C8B-B14F-4D97-AF65-F5344CB8AC3E}">
-        <p14:creationId xmlns:p14="http://schemas.microsoft.com/office/powerpoint/2010/main" val="4154174790"/>
+        <p14:creationId xmlns:p14="http://schemas.microsoft.com/office/powerpoint/2010/main" val="1116178565"/>
       </p:ext>
     </p:extLst>
   </p:cSld>
